--- a/2024/2024-10-25-AI-Updates.pptx
+++ b/2024/2024-10-25-AI-Updates.pptx
@@ -5,7 +5,7 @@
     <p:sldMasterId id="2147483660" r:id="rId1"/>
   </p:sldMasterIdLst>
   <p:notesMasterIdLst>
-    <p:notesMasterId r:id="rId23"/>
+    <p:notesMasterId r:id="rId22"/>
   </p:notesMasterIdLst>
   <p:sldIdLst>
     <p:sldId id="256" r:id="rId2"/>
@@ -28,7 +28,6 @@
     <p:sldId id="273" r:id="rId19"/>
     <p:sldId id="274" r:id="rId20"/>
     <p:sldId id="275" r:id="rId21"/>
-    <p:sldId id="276" r:id="rId22"/>
   </p:sldIdLst>
   <p:sldSz cx="9144000" cy="5143500" type="screen16x9"/>
   <p:notesSz cx="6858000" cy="9144000"/>
@@ -970,7 +969,7 @@
   <p:cSld>
     <p:spTree>
       <p:nvGrpSpPr>
-        <p:cNvPr id="1" name="Shape 122"/>
+        <p:cNvPr id="1" name="Shape 124"/>
         <p:cNvGrpSpPr/>
         <p:nvPr/>
       </p:nvGrpSpPr>
@@ -984,7 +983,7 @@
       </p:grpSpPr>
       <p:sp>
         <p:nvSpPr>
-          <p:cNvPr id="123" name="Google Shape;123;g2a4596a28ae_0_1:notes"/>
+          <p:cNvPr id="125" name="Google Shape;125;g2a4596a28ae_0_1:notes"/>
           <p:cNvSpPr>
             <a:spLocks noGrp="1" noRot="1" noChangeAspect="1"/>
           </p:cNvSpPr>
@@ -1035,7 +1034,7 @@
       </p:sp>
       <p:sp>
         <p:nvSpPr>
-          <p:cNvPr id="124" name="Google Shape;124;g2a4596a28ae_0_1:notes"/>
+          <p:cNvPr id="126" name="Google Shape;126;g2a4596a28ae_0_1:notes"/>
           <p:cNvSpPr txBox="1">
             <a:spLocks noGrp="1"/>
           </p:cNvSpPr>
@@ -1092,7 +1091,7 @@
   <p:cSld>
     <p:spTree>
       <p:nvGrpSpPr>
-        <p:cNvPr id="1" name="Shape 129"/>
+        <p:cNvPr id="1" name="Shape 131"/>
         <p:cNvGrpSpPr/>
         <p:nvPr/>
       </p:nvGrpSpPr>
@@ -1106,7 +1105,7 @@
       </p:grpSpPr>
       <p:sp>
         <p:nvSpPr>
-          <p:cNvPr id="130" name="Google Shape;130;g2ff0198f6a9_0_0:notes"/>
+          <p:cNvPr id="132" name="Google Shape;132;g2ff0198f6a9_0_0:notes"/>
           <p:cNvSpPr>
             <a:spLocks noGrp="1" noRot="1" noChangeAspect="1"/>
           </p:cNvSpPr>
@@ -1157,7 +1156,7 @@
       </p:sp>
       <p:sp>
         <p:nvSpPr>
-          <p:cNvPr id="131" name="Google Shape;131;g2ff0198f6a9_0_0:notes"/>
+          <p:cNvPr id="133" name="Google Shape;133;g2ff0198f6a9_0_0:notes"/>
           <p:cNvSpPr txBox="1">
             <a:spLocks noGrp="1"/>
           </p:cNvSpPr>
@@ -1214,7 +1213,7 @@
   <p:cSld>
     <p:spTree>
       <p:nvGrpSpPr>
-        <p:cNvPr id="1" name="Shape 143"/>
+        <p:cNvPr id="1" name="Shape 145"/>
         <p:cNvGrpSpPr/>
         <p:nvPr/>
       </p:nvGrpSpPr>
@@ -1228,7 +1227,7 @@
       </p:grpSpPr>
       <p:sp>
         <p:nvSpPr>
-          <p:cNvPr id="144" name="Google Shape;144;g30e70057caf_0_0:notes"/>
+          <p:cNvPr id="146" name="Google Shape;146;g30e70057caf_0_0:notes"/>
           <p:cNvSpPr>
             <a:spLocks noGrp="1" noRot="1" noChangeAspect="1"/>
           </p:cNvSpPr>
@@ -1279,7 +1278,7 @@
       </p:sp>
       <p:sp>
         <p:nvSpPr>
-          <p:cNvPr id="145" name="Google Shape;145;g30e70057caf_0_0:notes"/>
+          <p:cNvPr id="147" name="Google Shape;147;g30e70057caf_0_0:notes"/>
           <p:cNvSpPr txBox="1">
             <a:spLocks noGrp="1"/>
           </p:cNvSpPr>
@@ -1336,7 +1335,7 @@
   <p:cSld>
     <p:spTree>
       <p:nvGrpSpPr>
-        <p:cNvPr id="1" name="Shape 149"/>
+        <p:cNvPr id="1" name="Shape 151"/>
         <p:cNvGrpSpPr/>
         <p:nvPr/>
       </p:nvGrpSpPr>
@@ -1350,7 +1349,7 @@
       </p:grpSpPr>
       <p:sp>
         <p:nvSpPr>
-          <p:cNvPr id="150" name="Google Shape;150;g30e82ffb3ee_0_12:notes"/>
+          <p:cNvPr id="152" name="Google Shape;152;g30e82ffb3ee_0_12:notes"/>
           <p:cNvSpPr>
             <a:spLocks noGrp="1" noRot="1" noChangeAspect="1"/>
           </p:cNvSpPr>
@@ -1401,7 +1400,7 @@
       </p:sp>
       <p:sp>
         <p:nvSpPr>
-          <p:cNvPr id="151" name="Google Shape;151;g30e82ffb3ee_0_12:notes"/>
+          <p:cNvPr id="153" name="Google Shape;153;g30e82ffb3ee_0_12:notes"/>
           <p:cNvSpPr txBox="1">
             <a:spLocks noGrp="1"/>
           </p:cNvSpPr>
@@ -1458,7 +1457,7 @@
   <p:cSld>
     <p:spTree>
       <p:nvGrpSpPr>
-        <p:cNvPr id="1" name="Shape 156"/>
+        <p:cNvPr id="1" name="Shape 159"/>
         <p:cNvGrpSpPr/>
         <p:nvPr/>
       </p:nvGrpSpPr>
@@ -1472,7 +1471,7 @@
       </p:grpSpPr>
       <p:sp>
         <p:nvSpPr>
-          <p:cNvPr id="157" name="Google Shape;157;g2a45169e6ef_0_0:notes"/>
+          <p:cNvPr id="160" name="Google Shape;160;g2a45169e6ef_0_0:notes"/>
           <p:cNvSpPr>
             <a:spLocks noGrp="1" noRot="1" noChangeAspect="1"/>
           </p:cNvSpPr>
@@ -1523,7 +1522,7 @@
       </p:sp>
       <p:sp>
         <p:nvSpPr>
-          <p:cNvPr id="158" name="Google Shape;158;g2a45169e6ef_0_0:notes"/>
+          <p:cNvPr id="161" name="Google Shape;161;g2a45169e6ef_0_0:notes"/>
           <p:cNvSpPr txBox="1">
             <a:spLocks noGrp="1"/>
           </p:cNvSpPr>
@@ -1580,7 +1579,7 @@
   <p:cSld>
     <p:spTree>
       <p:nvGrpSpPr>
-        <p:cNvPr id="1" name="Shape 166"/>
+        <p:cNvPr id="1" name="Shape 169"/>
         <p:cNvGrpSpPr/>
         <p:nvPr/>
       </p:nvGrpSpPr>
@@ -1594,7 +1593,7 @@
       </p:grpSpPr>
       <p:sp>
         <p:nvSpPr>
-          <p:cNvPr id="167" name="Google Shape;167;g30c26a0e7cc_1_0:notes"/>
+          <p:cNvPr id="170" name="Google Shape;170;g2a4596a28ae_1_0:notes"/>
           <p:cNvSpPr>
             <a:spLocks noGrp="1" noRot="1" noChangeAspect="1"/>
           </p:cNvSpPr>
@@ -1645,7 +1644,7 @@
       </p:sp>
       <p:sp>
         <p:nvSpPr>
-          <p:cNvPr id="168" name="Google Shape;168;g30c26a0e7cc_1_0:notes"/>
+          <p:cNvPr id="171" name="Google Shape;171;g2a4596a28ae_1_0:notes"/>
           <p:cNvSpPr txBox="1">
             <a:spLocks noGrp="1"/>
           </p:cNvSpPr>
@@ -1698,128 +1697,6 @@
 </file>
 
 <file path=ppt/notesSlides/notesSlide16.xml><?xml version="1.0" encoding="utf-8"?>
-<p:notes xmlns:a="http://schemas.openxmlformats.org/drawingml/2006/main" xmlns:r="http://schemas.openxmlformats.org/officeDocument/2006/relationships" xmlns:p="http://schemas.openxmlformats.org/presentationml/2006/main" showMasterSp="0" showMasterPhAnim="0">
-  <p:cSld>
-    <p:spTree>
-      <p:nvGrpSpPr>
-        <p:cNvPr id="1" name="Shape 173"/>
-        <p:cNvGrpSpPr/>
-        <p:nvPr/>
-      </p:nvGrpSpPr>
-      <p:grpSpPr>
-        <a:xfrm>
-          <a:off x="0" y="0"/>
-          <a:ext cx="0" cy="0"/>
-          <a:chOff x="0" y="0"/>
-          <a:chExt cx="0" cy="0"/>
-        </a:xfrm>
-      </p:grpSpPr>
-      <p:sp>
-        <p:nvSpPr>
-          <p:cNvPr id="174" name="Google Shape;174;g2a4596a28ae_1_0:notes"/>
-          <p:cNvSpPr>
-            <a:spLocks noGrp="1" noRot="1" noChangeAspect="1"/>
-          </p:cNvSpPr>
-          <p:nvPr>
-            <p:ph type="sldImg" idx="2"/>
-          </p:nvPr>
-        </p:nvSpPr>
-        <p:spPr>
-          <a:xfrm>
-            <a:off x="381300" y="685800"/>
-            <a:ext cx="6096000" cy="3429000"/>
-          </a:xfrm>
-          <a:custGeom>
-            <a:avLst/>
-            <a:gdLst/>
-            <a:ahLst/>
-            <a:cxnLst/>
-            <a:rect l="l" t="t" r="r" b="b"/>
-            <a:pathLst>
-              <a:path w="120000" h="120000" extrusionOk="0">
-                <a:moveTo>
-                  <a:pt x="0" y="0"/>
-                </a:moveTo>
-                <a:lnTo>
-                  <a:pt x="120000" y="0"/>
-                </a:lnTo>
-                <a:lnTo>
-                  <a:pt x="120000" y="120000"/>
-                </a:lnTo>
-                <a:lnTo>
-                  <a:pt x="0" y="120000"/>
-                </a:lnTo>
-                <a:close/>
-              </a:path>
-            </a:pathLst>
-          </a:custGeom>
-          <a:noFill/>
-          <a:ln w="9525" cap="flat" cmpd="sng">
-            <a:solidFill>
-              <a:srgbClr val="000000"/>
-            </a:solidFill>
-            <a:prstDash val="solid"/>
-            <a:round/>
-            <a:headEnd type="none" w="sm" len="sm"/>
-            <a:tailEnd type="none" w="sm" len="sm"/>
-          </a:ln>
-        </p:spPr>
-      </p:sp>
-      <p:sp>
-        <p:nvSpPr>
-          <p:cNvPr id="175" name="Google Shape;175;g2a4596a28ae_1_0:notes"/>
-          <p:cNvSpPr txBox="1">
-            <a:spLocks noGrp="1"/>
-          </p:cNvSpPr>
-          <p:nvPr>
-            <p:ph type="body" idx="1"/>
-          </p:nvPr>
-        </p:nvSpPr>
-        <p:spPr>
-          <a:xfrm>
-            <a:off x="685800" y="4343400"/>
-            <a:ext cx="5486400" cy="4114800"/>
-          </a:xfrm>
-          <a:prstGeom prst="rect">
-            <a:avLst/>
-          </a:prstGeom>
-          <a:noFill/>
-          <a:ln>
-            <a:noFill/>
-          </a:ln>
-        </p:spPr>
-        <p:txBody>
-          <a:bodyPr spcFirstLastPara="1" wrap="square" lIns="91425" tIns="91425" rIns="91425" bIns="91425" anchor="t" anchorCtr="0">
-            <a:noAutofit/>
-          </a:bodyPr>
-          <a:lstStyle/>
-          <a:p>
-            <a:pPr marL="0" lvl="0" indent="0" algn="l" rtl="0">
-              <a:lnSpc>
-                <a:spcPct val="100000"/>
-              </a:lnSpc>
-              <a:spcBef>
-                <a:spcPts val="0"/>
-              </a:spcBef>
-              <a:spcAft>
-                <a:spcPts val="0"/>
-              </a:spcAft>
-              <a:buSzPts val="1100"/>
-              <a:buNone/>
-            </a:pPr>
-            <a:endParaRPr/>
-          </a:p>
-        </p:txBody>
-      </p:sp>
-    </p:spTree>
-  </p:cSld>
-  <p:clrMapOvr>
-    <a:masterClrMapping/>
-  </p:clrMapOvr>
-</p:notes>
-</file>
-
-<file path=ppt/notesSlides/notesSlide17.xml><?xml version="1.0" encoding="utf-8"?>
 <p:notes xmlns:a="http://schemas.openxmlformats.org/drawingml/2006/main" xmlns:r="http://schemas.openxmlformats.org/officeDocument/2006/relationships" xmlns:p="http://schemas.openxmlformats.org/presentationml/2006/main" showMasterSp="0" showMasterPhAnim="0">
   <p:cSld>
     <p:spTree>
@@ -1941,7 +1818,7 @@
 </p:notes>
 </file>
 
-<file path=ppt/notesSlides/notesSlide18.xml><?xml version="1.0" encoding="utf-8"?>
+<file path=ppt/notesSlides/notesSlide17.xml><?xml version="1.0" encoding="utf-8"?>
 <p:notes xmlns:a="http://schemas.openxmlformats.org/drawingml/2006/main" xmlns:r="http://schemas.openxmlformats.org/officeDocument/2006/relationships" xmlns:p="http://schemas.openxmlformats.org/presentationml/2006/main" showMasterSp="0" showMasterPhAnim="0">
   <p:cSld>
     <p:spTree>
@@ -2063,7 +1940,7 @@
 </p:notes>
 </file>
 
-<file path=ppt/notesSlides/notesSlide19.xml><?xml version="1.0" encoding="utf-8"?>
+<file path=ppt/notesSlides/notesSlide18.xml><?xml version="1.0" encoding="utf-8"?>
 <p:notes xmlns:a="http://schemas.openxmlformats.org/drawingml/2006/main" xmlns:r="http://schemas.openxmlformats.org/officeDocument/2006/relationships" xmlns:p="http://schemas.openxmlformats.org/presentationml/2006/main" showMasterSp="0" showMasterPhAnim="0">
   <p:cSld>
     <p:spTree>
@@ -2134,6 +2011,128 @@
       <p:sp>
         <p:nvSpPr>
           <p:cNvPr id="236" name="Google Shape;236;g2f5a4c13872_2_0:notes"/>
+          <p:cNvSpPr txBox="1">
+            <a:spLocks noGrp="1"/>
+          </p:cNvSpPr>
+          <p:nvPr>
+            <p:ph type="body" idx="1"/>
+          </p:nvPr>
+        </p:nvSpPr>
+        <p:spPr>
+          <a:xfrm>
+            <a:off x="685800" y="4343400"/>
+            <a:ext cx="5486400" cy="4114800"/>
+          </a:xfrm>
+          <a:prstGeom prst="rect">
+            <a:avLst/>
+          </a:prstGeom>
+          <a:noFill/>
+          <a:ln>
+            <a:noFill/>
+          </a:ln>
+        </p:spPr>
+        <p:txBody>
+          <a:bodyPr spcFirstLastPara="1" wrap="square" lIns="91425" tIns="91425" rIns="91425" bIns="91425" anchor="t" anchorCtr="0">
+            <a:noAutofit/>
+          </a:bodyPr>
+          <a:lstStyle/>
+          <a:p>
+            <a:pPr marL="0" lvl="0" indent="0" algn="l" rtl="0">
+              <a:lnSpc>
+                <a:spcPct val="100000"/>
+              </a:lnSpc>
+              <a:spcBef>
+                <a:spcPts val="0"/>
+              </a:spcBef>
+              <a:spcAft>
+                <a:spcPts val="0"/>
+              </a:spcAft>
+              <a:buSzPts val="1100"/>
+              <a:buNone/>
+            </a:pPr>
+            <a:endParaRPr/>
+          </a:p>
+        </p:txBody>
+      </p:sp>
+    </p:spTree>
+  </p:cSld>
+  <p:clrMapOvr>
+    <a:masterClrMapping/>
+  </p:clrMapOvr>
+</p:notes>
+</file>
+
+<file path=ppt/notesSlides/notesSlide19.xml><?xml version="1.0" encoding="utf-8"?>
+<p:notes xmlns:a="http://schemas.openxmlformats.org/drawingml/2006/main" xmlns:r="http://schemas.openxmlformats.org/officeDocument/2006/relationships" xmlns:p="http://schemas.openxmlformats.org/presentationml/2006/main" showMasterSp="0" showMasterPhAnim="0">
+  <p:cSld>
+    <p:spTree>
+      <p:nvGrpSpPr>
+        <p:cNvPr id="1" name="Shape 243"/>
+        <p:cNvGrpSpPr/>
+        <p:nvPr/>
+      </p:nvGrpSpPr>
+      <p:grpSpPr>
+        <a:xfrm>
+          <a:off x="0" y="0"/>
+          <a:ext cx="0" cy="0"/>
+          <a:chOff x="0" y="0"/>
+          <a:chExt cx="0" cy="0"/>
+        </a:xfrm>
+      </p:grpSpPr>
+      <p:sp>
+        <p:nvSpPr>
+          <p:cNvPr id="244" name="Google Shape;244;p22:notes"/>
+          <p:cNvSpPr>
+            <a:spLocks noGrp="1" noRot="1" noChangeAspect="1"/>
+          </p:cNvSpPr>
+          <p:nvPr>
+            <p:ph type="sldImg" idx="2"/>
+          </p:nvPr>
+        </p:nvSpPr>
+        <p:spPr>
+          <a:xfrm>
+            <a:off x="381000" y="685800"/>
+            <a:ext cx="6096000" cy="3429000"/>
+          </a:xfrm>
+          <a:custGeom>
+            <a:avLst/>
+            <a:gdLst/>
+            <a:ahLst/>
+            <a:cxnLst/>
+            <a:rect l="l" t="t" r="r" b="b"/>
+            <a:pathLst>
+              <a:path w="120000" h="120000" extrusionOk="0">
+                <a:moveTo>
+                  <a:pt x="0" y="0"/>
+                </a:moveTo>
+                <a:lnTo>
+                  <a:pt x="120000" y="0"/>
+                </a:lnTo>
+                <a:lnTo>
+                  <a:pt x="120000" y="120000"/>
+                </a:lnTo>
+                <a:lnTo>
+                  <a:pt x="0" y="120000"/>
+                </a:lnTo>
+                <a:close/>
+              </a:path>
+            </a:pathLst>
+          </a:custGeom>
+          <a:noFill/>
+          <a:ln w="9525" cap="flat" cmpd="sng">
+            <a:solidFill>
+              <a:srgbClr val="000000"/>
+            </a:solidFill>
+            <a:prstDash val="solid"/>
+            <a:round/>
+            <a:headEnd type="none" w="sm" len="sm"/>
+            <a:tailEnd type="none" w="sm" len="sm"/>
+          </a:ln>
+        </p:spPr>
+      </p:sp>
+      <p:sp>
+        <p:nvSpPr>
+          <p:cNvPr id="245" name="Google Shape;245;p22:notes"/>
           <p:cNvSpPr txBox="1">
             <a:spLocks noGrp="1"/>
           </p:cNvSpPr>
@@ -2312,128 +2311,6 @@
   <p:cSld>
     <p:spTree>
       <p:nvGrpSpPr>
-        <p:cNvPr id="1" name="Shape 243"/>
-        <p:cNvGrpSpPr/>
-        <p:nvPr/>
-      </p:nvGrpSpPr>
-      <p:grpSpPr>
-        <a:xfrm>
-          <a:off x="0" y="0"/>
-          <a:ext cx="0" cy="0"/>
-          <a:chOff x="0" y="0"/>
-          <a:chExt cx="0" cy="0"/>
-        </a:xfrm>
-      </p:grpSpPr>
-      <p:sp>
-        <p:nvSpPr>
-          <p:cNvPr id="244" name="Google Shape;244;p22:notes"/>
-          <p:cNvSpPr>
-            <a:spLocks noGrp="1" noRot="1" noChangeAspect="1"/>
-          </p:cNvSpPr>
-          <p:nvPr>
-            <p:ph type="sldImg" idx="2"/>
-          </p:nvPr>
-        </p:nvSpPr>
-        <p:spPr>
-          <a:xfrm>
-            <a:off x="381000" y="685800"/>
-            <a:ext cx="6096000" cy="3429000"/>
-          </a:xfrm>
-          <a:custGeom>
-            <a:avLst/>
-            <a:gdLst/>
-            <a:ahLst/>
-            <a:cxnLst/>
-            <a:rect l="l" t="t" r="r" b="b"/>
-            <a:pathLst>
-              <a:path w="120000" h="120000" extrusionOk="0">
-                <a:moveTo>
-                  <a:pt x="0" y="0"/>
-                </a:moveTo>
-                <a:lnTo>
-                  <a:pt x="120000" y="0"/>
-                </a:lnTo>
-                <a:lnTo>
-                  <a:pt x="120000" y="120000"/>
-                </a:lnTo>
-                <a:lnTo>
-                  <a:pt x="0" y="120000"/>
-                </a:lnTo>
-                <a:close/>
-              </a:path>
-            </a:pathLst>
-          </a:custGeom>
-          <a:noFill/>
-          <a:ln w="9525" cap="flat" cmpd="sng">
-            <a:solidFill>
-              <a:srgbClr val="000000"/>
-            </a:solidFill>
-            <a:prstDash val="solid"/>
-            <a:round/>
-            <a:headEnd type="none" w="sm" len="sm"/>
-            <a:tailEnd type="none" w="sm" len="sm"/>
-          </a:ln>
-        </p:spPr>
-      </p:sp>
-      <p:sp>
-        <p:nvSpPr>
-          <p:cNvPr id="245" name="Google Shape;245;p22:notes"/>
-          <p:cNvSpPr txBox="1">
-            <a:spLocks noGrp="1"/>
-          </p:cNvSpPr>
-          <p:nvPr>
-            <p:ph type="body" idx="1"/>
-          </p:nvPr>
-        </p:nvSpPr>
-        <p:spPr>
-          <a:xfrm>
-            <a:off x="685800" y="4343400"/>
-            <a:ext cx="5486400" cy="4114800"/>
-          </a:xfrm>
-          <a:prstGeom prst="rect">
-            <a:avLst/>
-          </a:prstGeom>
-          <a:noFill/>
-          <a:ln>
-            <a:noFill/>
-          </a:ln>
-        </p:spPr>
-        <p:txBody>
-          <a:bodyPr spcFirstLastPara="1" wrap="square" lIns="91425" tIns="91425" rIns="91425" bIns="91425" anchor="t" anchorCtr="0">
-            <a:noAutofit/>
-          </a:bodyPr>
-          <a:lstStyle/>
-          <a:p>
-            <a:pPr marL="0" lvl="0" indent="0" algn="l" rtl="0">
-              <a:lnSpc>
-                <a:spcPct val="100000"/>
-              </a:lnSpc>
-              <a:spcBef>
-                <a:spcPts val="0"/>
-              </a:spcBef>
-              <a:spcAft>
-                <a:spcPts val="0"/>
-              </a:spcAft>
-              <a:buSzPts val="1100"/>
-              <a:buNone/>
-            </a:pPr>
-            <a:endParaRPr/>
-          </a:p>
-        </p:txBody>
-      </p:sp>
-    </p:spTree>
-  </p:cSld>
-  <p:clrMapOvr>
-    <a:masterClrMapping/>
-  </p:clrMapOvr>
-</p:notes>
-</file>
-
-<file path=ppt/notesSlides/notesSlide21.xml><?xml version="1.0" encoding="utf-8"?>
-<p:notes xmlns:a="http://schemas.openxmlformats.org/drawingml/2006/main" xmlns:r="http://schemas.openxmlformats.org/officeDocument/2006/relationships" xmlns:p="http://schemas.openxmlformats.org/presentationml/2006/main" showMasterSp="0" showMasterPhAnim="0">
-  <p:cSld>
-    <p:spTree>
-      <p:nvGrpSpPr>
         <p:cNvPr id="1" name="Shape 253"/>
         <p:cNvGrpSpPr/>
         <p:nvPr/>
@@ -3044,7 +2921,7 @@
   <p:cSld>
     <p:spTree>
       <p:nvGrpSpPr>
-        <p:cNvPr id="1" name="Shape 97"/>
+        <p:cNvPr id="1" name="Shape 99"/>
         <p:cNvGrpSpPr/>
         <p:nvPr/>
       </p:nvGrpSpPr>
@@ -3058,7 +2935,7 @@
       </p:grpSpPr>
       <p:sp>
         <p:nvSpPr>
-          <p:cNvPr id="98" name="Google Shape;98;g2a450cb4bd4_1_12:notes"/>
+          <p:cNvPr id="100" name="Google Shape;100;g2a450cb4bd4_1_12:notes"/>
           <p:cNvSpPr>
             <a:spLocks noGrp="1" noRot="1" noChangeAspect="1"/>
           </p:cNvSpPr>
@@ -3109,7 +2986,7 @@
       </p:sp>
       <p:sp>
         <p:nvSpPr>
-          <p:cNvPr id="99" name="Google Shape;99;g2a450cb4bd4_1_12:notes"/>
+          <p:cNvPr id="101" name="Google Shape;101;g2a450cb4bd4_1_12:notes"/>
           <p:cNvSpPr txBox="1">
             <a:spLocks noGrp="1"/>
           </p:cNvSpPr>
@@ -3166,7 +3043,7 @@
   <p:cSld>
     <p:spTree>
       <p:nvGrpSpPr>
-        <p:cNvPr id="1" name="Shape 105"/>
+        <p:cNvPr id="1" name="Shape 107"/>
         <p:cNvGrpSpPr/>
         <p:nvPr/>
       </p:nvGrpSpPr>
@@ -3180,7 +3057,7 @@
       </p:grpSpPr>
       <p:sp>
         <p:nvSpPr>
-          <p:cNvPr id="106" name="Google Shape;106;g30cd41b0f92_0_0:notes"/>
+          <p:cNvPr id="108" name="Google Shape;108;g30cd41b0f92_0_0:notes"/>
           <p:cNvSpPr>
             <a:spLocks noGrp="1" noRot="1" noChangeAspect="1"/>
           </p:cNvSpPr>
@@ -3231,7 +3108,7 @@
       </p:sp>
       <p:sp>
         <p:nvSpPr>
-          <p:cNvPr id="107" name="Google Shape;107;g30cd41b0f92_0_0:notes"/>
+          <p:cNvPr id="109" name="Google Shape;109;g30cd41b0f92_0_0:notes"/>
           <p:cNvSpPr txBox="1">
             <a:spLocks noGrp="1"/>
           </p:cNvSpPr>
@@ -3288,7 +3165,7 @@
   <p:cSld>
     <p:spTree>
       <p:nvGrpSpPr>
-        <p:cNvPr id="1" name="Shape 114"/>
+        <p:cNvPr id="1" name="Shape 116"/>
         <p:cNvGrpSpPr/>
         <p:nvPr/>
       </p:nvGrpSpPr>
@@ -3302,7 +3179,7 @@
       </p:grpSpPr>
       <p:sp>
         <p:nvSpPr>
-          <p:cNvPr id="115" name="Google Shape;115;g2a450cb4bd4_1_3:notes"/>
+          <p:cNvPr id="117" name="Google Shape;117;g2a450cb4bd4_1_3:notes"/>
           <p:cNvSpPr>
             <a:spLocks noGrp="1" noRot="1" noChangeAspect="1"/>
           </p:cNvSpPr>
@@ -3353,7 +3230,7 @@
       </p:sp>
       <p:sp>
         <p:nvSpPr>
-          <p:cNvPr id="116" name="Google Shape;116;g2a450cb4bd4_1_3:notes"/>
+          <p:cNvPr id="118" name="Google Shape;118;g2a450cb4bd4_1_3:notes"/>
           <p:cNvSpPr txBox="1">
             <a:spLocks noGrp="1"/>
           </p:cNvSpPr>
@@ -11465,8 +11342,8 @@
         </p:nvSpPr>
         <p:spPr>
           <a:xfrm>
-            <a:off x="73134" y="1265896"/>
-            <a:ext cx="4420200" cy="3648000"/>
+            <a:off x="73134" y="961096"/>
+            <a:ext cx="4420200" cy="4109700"/>
           </a:xfrm>
           <a:prstGeom prst="rect">
             <a:avLst/>
@@ -11697,7 +11574,7 @@
                 <a:cs typeface="Calibri"/>
                 <a:sym typeface="Calibri"/>
               </a:rPr>
-              <a:t>AAA = Autonomous AI Agents - Microsoft</a:t>
+              <a:t>Reasoning Patterns Of Openai’S o1 Model</a:t>
             </a:r>
             <a:endParaRPr sz="1500" b="1">
               <a:solidFill>
@@ -11734,7 +11611,7 @@
                 <a:cs typeface="Calibri"/>
                 <a:sym typeface="Calibri"/>
               </a:rPr>
-              <a:t>Nodus Labs, Dmitry Paranyushkin</a:t>
+              <a:t>AAA = Autonomous AI Agents - Microsoft</a:t>
             </a:r>
             <a:endParaRPr sz="1500" b="1">
               <a:solidFill>
@@ -11771,7 +11648,7 @@
                 <a:cs typeface="Calibri"/>
                 <a:sym typeface="Calibri"/>
               </a:rPr>
-              <a:t>Anthropic "Computer Use</a:t>
+              <a:t>Nodus Labs, Dmitry Paranyushkin</a:t>
             </a:r>
             <a:endParaRPr sz="1500" b="1">
               <a:solidFill>
@@ -11808,7 +11685,7 @@
                 <a:cs typeface="Calibri"/>
                 <a:sym typeface="Calibri"/>
               </a:rPr>
-              <a:t>Anthropic Claude 3.5 Sonnet &amp; Haiku</a:t>
+              <a:t>Anthropic "Computer Use</a:t>
             </a:r>
             <a:endParaRPr sz="1500" b="1">
               <a:solidFill>
@@ -11845,7 +11722,7 @@
                 <a:cs typeface="Calibri"/>
                 <a:sym typeface="Calibri"/>
               </a:rPr>
-              <a:t>nGPT from Nvidia</a:t>
+              <a:t>Anthropic Claude 3.5 Sonnet &amp; Haiku</a:t>
             </a:r>
             <a:endParaRPr sz="1500" b="1">
               <a:solidFill>
@@ -11882,7 +11759,7 @@
                 <a:cs typeface="Calibri"/>
                 <a:sym typeface="Calibri"/>
               </a:rPr>
-              <a:t>IBM AI chips: "Telum II" &amp; "Spyre Accelerator"</a:t>
+              <a:t>nGPT from Nvidia</a:t>
             </a:r>
             <a:endParaRPr sz="1500" b="1">
               <a:solidFill>
@@ -11919,7 +11796,7 @@
                 <a:cs typeface="Calibri"/>
                 <a:sym typeface="Calibri"/>
               </a:rPr>
-              <a:t>IBM Granite 3.0 2b &amp; 8b open models</a:t>
+              <a:t>IBM AI chips: "Telum II" &amp; "Spyre Accelerator"</a:t>
             </a:r>
             <a:endParaRPr sz="1500" b="1">
               <a:solidFill>
@@ -11956,7 +11833,7 @@
                 <a:cs typeface="Calibri"/>
                 <a:sym typeface="Calibri"/>
               </a:rPr>
-              <a:t>Meta Segment, Spirit, and other releases</a:t>
+              <a:t>IBM Granite 3.0 2b &amp; 8b open models</a:t>
             </a:r>
             <a:endParaRPr sz="1500" b="1">
               <a:solidFill>
@@ -11993,7 +11870,7 @@
                 <a:cs typeface="Calibri"/>
                 <a:sym typeface="Calibri"/>
               </a:rPr>
-              <a:t>Stable Diffusion 3.5 </a:t>
+              <a:t>Meta Segment, Spirit, and other releases</a:t>
             </a:r>
             <a:endParaRPr sz="1500" b="1">
               <a:solidFill>
@@ -12030,7 +11907,81 @@
                 <a:cs typeface="Calibri"/>
                 <a:sym typeface="Calibri"/>
               </a:rPr>
+              <a:t>Stable Diffusion 3.5 </a:t>
+            </a:r>
+            <a:endParaRPr sz="1500" b="1">
+              <a:solidFill>
+                <a:srgbClr val="3C78D8"/>
+              </a:solidFill>
+              <a:latin typeface="Calibri"/>
+              <a:ea typeface="Calibri"/>
+              <a:cs typeface="Calibri"/>
+              <a:sym typeface="Calibri"/>
+            </a:endParaRPr>
+          </a:p>
+          <a:p>
+            <a:pPr marL="228600" lvl="0" indent="-209550" algn="l" rtl="0">
+              <a:spcBef>
+                <a:spcPts val="0"/>
+              </a:spcBef>
+              <a:spcAft>
+                <a:spcPts val="0"/>
+              </a:spcAft>
+              <a:buClr>
+                <a:srgbClr val="3C78D8"/>
+              </a:buClr>
+              <a:buSzPts val="1500"/>
+              <a:buFont typeface="Calibri"/>
+              <a:buChar char="●"/>
+            </a:pPr>
+            <a:r>
+              <a:rPr lang="en" sz="1500" b="1">
+                <a:solidFill>
+                  <a:srgbClr val="3C78D8"/>
+                </a:solidFill>
+                <a:latin typeface="Calibri"/>
+                <a:ea typeface="Calibri"/>
+                <a:cs typeface="Calibri"/>
+                <a:sym typeface="Calibri"/>
+              </a:rPr>
               <a:t>genmo Mochi 1  video </a:t>
+            </a:r>
+            <a:endParaRPr sz="1500" b="1">
+              <a:solidFill>
+                <a:srgbClr val="3C78D8"/>
+              </a:solidFill>
+              <a:latin typeface="Calibri"/>
+              <a:ea typeface="Calibri"/>
+              <a:cs typeface="Calibri"/>
+              <a:sym typeface="Calibri"/>
+            </a:endParaRPr>
+          </a:p>
+          <a:p>
+            <a:pPr marL="228600" lvl="0" indent="-209550" algn="l" rtl="0">
+              <a:spcBef>
+                <a:spcPts val="0"/>
+              </a:spcBef>
+              <a:spcAft>
+                <a:spcPts val="0"/>
+              </a:spcAft>
+              <a:buClr>
+                <a:srgbClr val="3C78D8"/>
+              </a:buClr>
+              <a:buSzPts val="1500"/>
+              <a:buFont typeface="Calibri"/>
+              <a:buChar char="●"/>
+            </a:pPr>
+            <a:r>
+              <a:rPr lang="en" sz="1500" b="1">
+                <a:solidFill>
+                  <a:srgbClr val="3C78D8"/>
+                </a:solidFill>
+                <a:latin typeface="Calibri"/>
+                <a:ea typeface="Calibri"/>
+                <a:cs typeface="Calibri"/>
+                <a:sym typeface="Calibri"/>
+              </a:rPr>
+              <a:t> X.AI  Grok API</a:t>
             </a:r>
             <a:endParaRPr sz="1500" b="1">
               <a:solidFill>
@@ -12170,8 +12121,8 @@
         </p:nvSpPr>
         <p:spPr>
           <a:xfrm>
-            <a:off x="4603084" y="1265896"/>
-            <a:ext cx="4420200" cy="3648000"/>
+            <a:off x="4603084" y="961096"/>
+            <a:ext cx="4420200" cy="3879000"/>
           </a:xfrm>
           <a:prstGeom prst="rect">
             <a:avLst/>
@@ -12217,7 +12168,7 @@
                 <a:cs typeface="Calibri"/>
                 <a:sym typeface="Calibri"/>
               </a:rPr>
-              <a:t>X.AI  Grok API </a:t>
+              <a:t>Microsoft open-sourced BitNet</a:t>
             </a:r>
             <a:endParaRPr sz="1500" b="1">
               <a:solidFill>
@@ -12254,7 +12205,7 @@
                 <a:cs typeface="Calibri"/>
                 <a:sym typeface="Calibri"/>
               </a:rPr>
-              <a:t>Microsoft open-sourced BitNet</a:t>
+              <a:t>Mistral AI Ministral 3B &amp; 8B</a:t>
             </a:r>
             <a:endParaRPr sz="1500" b="1">
               <a:solidFill>
@@ -12291,7 +12242,7 @@
                 <a:cs typeface="Calibri"/>
                 <a:sym typeface="Calibri"/>
               </a:rPr>
-              <a:t>Mistral AI Ministral 3B &amp; 8B</a:t>
+              <a:t>OLlama - 45K+ models</a:t>
             </a:r>
             <a:endParaRPr sz="1500" b="1">
               <a:solidFill>
@@ -12328,7 +12279,7 @@
                 <a:cs typeface="Calibri"/>
                 <a:sym typeface="Calibri"/>
               </a:rPr>
-              <a:t>OLlama - 45K+ models</a:t>
+              <a:t>Yi-Lightning model from 01.ai (China)</a:t>
             </a:r>
             <a:endParaRPr sz="1500" b="1">
               <a:solidFill>
@@ -12365,7 +12316,7 @@
                 <a:cs typeface="Calibri"/>
                 <a:sym typeface="Calibri"/>
               </a:rPr>
-              <a:t>Yi-Lightning model from 01.ai (China)</a:t>
+              <a:t>Ichigo-Llama3.1 - Local Real-Time Voice AI</a:t>
             </a:r>
             <a:endParaRPr sz="1500" b="1">
               <a:solidFill>
@@ -12402,7 +12353,7 @@
                 <a:cs typeface="Calibri"/>
                 <a:sym typeface="Calibri"/>
               </a:rPr>
-              <a:t>Ichigo-Llama3.1 - Local Real-Time Voice AI</a:t>
+              <a:t>PlayHT - Play 3.0 mini - text-to-speech</a:t>
             </a:r>
             <a:endParaRPr sz="1500" b="1">
               <a:solidFill>
@@ -12439,7 +12390,7 @@
                 <a:cs typeface="Calibri"/>
                 <a:sym typeface="Calibri"/>
               </a:rPr>
-              <a:t>PlayHT - Play 3.0 mini - text-to-speech</a:t>
+              <a:t>Deepgram's Unified Voice Agent API</a:t>
             </a:r>
             <a:endParaRPr sz="1500" b="1">
               <a:solidFill>
@@ -12476,7 +12427,7 @@
                 <a:cs typeface="Calibri"/>
                 <a:sym typeface="Calibri"/>
               </a:rPr>
-              <a:t>Deepgram's Unified Voice Agent API</a:t>
+              <a:t>Ovis (Open VISion) open-source model </a:t>
             </a:r>
             <a:endParaRPr sz="1500" b="1">
               <a:solidFill>
@@ -12513,7 +12464,7 @@
                 <a:cs typeface="Calibri"/>
                 <a:sym typeface="Calibri"/>
               </a:rPr>
-              <a:t>Ovis (Open VISion) open-source model </a:t>
+              <a:t>Anthropic Claude Analysis tool</a:t>
             </a:r>
             <a:endParaRPr sz="1500" b="1">
               <a:solidFill>
@@ -12550,7 +12501,7 @@
                 <a:cs typeface="Calibri"/>
                 <a:sym typeface="Calibri"/>
               </a:rPr>
-              <a:t>Anthropic Claude Analysis tool</a:t>
+              <a:t>OpenAI "Orion" in November ?</a:t>
             </a:r>
             <a:endParaRPr sz="1500" b="1">
               <a:solidFill>
@@ -12624,7 +12575,44 @@
                 <a:cs typeface="Calibri"/>
                 <a:sym typeface="Calibri"/>
               </a:rPr>
-              <a:t>Text to Video</a:t>
+              <a:t>Ray Kurzweil about AI</a:t>
+            </a:r>
+            <a:endParaRPr sz="1500" b="1">
+              <a:solidFill>
+                <a:srgbClr val="3C78D8"/>
+              </a:solidFill>
+              <a:latin typeface="Calibri"/>
+              <a:ea typeface="Calibri"/>
+              <a:cs typeface="Calibri"/>
+              <a:sym typeface="Calibri"/>
+            </a:endParaRPr>
+          </a:p>
+          <a:p>
+            <a:pPr marL="228600" lvl="0" indent="-209550" algn="l" rtl="0">
+              <a:spcBef>
+                <a:spcPts val="0"/>
+              </a:spcBef>
+              <a:spcAft>
+                <a:spcPts val="0"/>
+              </a:spcAft>
+              <a:buClr>
+                <a:srgbClr val="3C78D8"/>
+              </a:buClr>
+              <a:buSzPts val="1500"/>
+              <a:buFont typeface="Calibri"/>
+              <a:buChar char="●"/>
+            </a:pPr>
+            <a:r>
+              <a:rPr lang="en" sz="1500" b="1">
+                <a:solidFill>
+                  <a:srgbClr val="3C78D8"/>
+                </a:solidFill>
+                <a:latin typeface="Calibri"/>
+                <a:ea typeface="Calibri"/>
+                <a:cs typeface="Calibri"/>
+                <a:sym typeface="Calibri"/>
+              </a:rPr>
+              <a:t>Tim Rocktäschel about Self-Improving AI</a:t>
             </a:r>
             <a:endParaRPr sz="1500" b="1">
               <a:solidFill>
@@ -12762,7 +12750,7 @@
   <p:cSld>
     <p:spTree>
       <p:nvGrpSpPr>
-        <p:cNvPr id="1" name="Shape 125"/>
+        <p:cNvPr id="1" name="Shape 127"/>
         <p:cNvGrpSpPr/>
         <p:nvPr/>
       </p:nvGrpSpPr>
@@ -12776,7 +12764,7 @@
       </p:grpSpPr>
       <p:sp>
         <p:nvSpPr>
-          <p:cNvPr id="126" name="Google Shape;126;p23"/>
+          <p:cNvPr id="128" name="Google Shape;128;p23"/>
           <p:cNvSpPr txBox="1"/>
           <p:nvPr/>
         </p:nvSpPr>
@@ -12839,7 +12827,7 @@
       </p:sp>
       <p:sp>
         <p:nvSpPr>
-          <p:cNvPr id="127" name="Google Shape;127;p23"/>
+          <p:cNvPr id="129" name="Google Shape;129;p23"/>
           <p:cNvSpPr txBox="1"/>
           <p:nvPr/>
         </p:nvSpPr>
@@ -13252,7 +13240,7 @@
       </p:sp>
       <p:pic>
         <p:nvPicPr>
-          <p:cNvPr id="128" name="Google Shape;128;p23"/>
+          <p:cNvPr id="130" name="Google Shape;130;p23"/>
           <p:cNvPicPr preferRelativeResize="0"/>
           <p:nvPr/>
         </p:nvPicPr>
@@ -13291,7 +13279,7 @@
   <p:cSld>
     <p:spTree>
       <p:nvGrpSpPr>
-        <p:cNvPr id="1" name="Shape 132"/>
+        <p:cNvPr id="1" name="Shape 134"/>
         <p:cNvGrpSpPr/>
         <p:nvPr/>
       </p:nvGrpSpPr>
@@ -13305,7 +13293,7 @@
       </p:grpSpPr>
       <p:sp>
         <p:nvSpPr>
-          <p:cNvPr id="133" name="Google Shape;133;p24"/>
+          <p:cNvPr id="135" name="Google Shape;135;p24"/>
           <p:cNvSpPr txBox="1"/>
           <p:nvPr/>
         </p:nvSpPr>
@@ -13368,7 +13356,7 @@
       </p:sp>
       <p:sp>
         <p:nvSpPr>
-          <p:cNvPr id="134" name="Google Shape;134;p24"/>
+          <p:cNvPr id="136" name="Google Shape;136;p24"/>
           <p:cNvSpPr txBox="1"/>
           <p:nvPr/>
         </p:nvSpPr>
@@ -13781,7 +13769,7 @@
       </p:sp>
       <p:sp>
         <p:nvSpPr>
-          <p:cNvPr id="135" name="Google Shape;135;p24"/>
+          <p:cNvPr id="137" name="Google Shape;137;p24"/>
           <p:cNvSpPr txBox="1"/>
           <p:nvPr/>
         </p:nvSpPr>
@@ -13941,7 +13929,7 @@
                 <a:cs typeface="Calibri"/>
                 <a:sym typeface="Calibri"/>
               </a:rPr>
-              <a:t>- general purpose, has 8 dedicated AI cores, 70 faster than previous model</a:t>
+              <a:t>- general purpose, has 8 dedicated AI cores, 70% faster than previous model</a:t>
             </a:r>
             <a:endParaRPr sz="1300">
               <a:solidFill>
@@ -14129,7 +14117,7 @@
       </p:sp>
       <p:pic>
         <p:nvPicPr>
-          <p:cNvPr id="136" name="Google Shape;136;p24"/>
+          <p:cNvPr id="138" name="Google Shape;138;p24"/>
           <p:cNvPicPr preferRelativeResize="0"/>
           <p:nvPr/>
         </p:nvPicPr>
@@ -14168,7 +14156,7 @@
       </p:pic>
       <p:pic>
         <p:nvPicPr>
-          <p:cNvPr id="137" name="Google Shape;137;p24"/>
+          <p:cNvPr id="139" name="Google Shape;139;p24"/>
           <p:cNvPicPr preferRelativeResize="0"/>
           <p:nvPr/>
         </p:nvPicPr>
@@ -14207,7 +14195,7 @@
       </p:pic>
       <p:pic>
         <p:nvPicPr>
-          <p:cNvPr id="138" name="Google Shape;138;p24"/>
+          <p:cNvPr id="140" name="Google Shape;140;p24"/>
           <p:cNvPicPr preferRelativeResize="0"/>
           <p:nvPr/>
         </p:nvPicPr>
@@ -14240,7 +14228,7 @@
       </p:pic>
       <p:pic>
         <p:nvPicPr>
-          <p:cNvPr id="139" name="Google Shape;139;p24"/>
+          <p:cNvPr id="141" name="Google Shape;141;p24"/>
           <p:cNvPicPr preferRelativeResize="0"/>
           <p:nvPr/>
         </p:nvPicPr>
@@ -14273,7 +14261,7 @@
       </p:pic>
       <p:pic>
         <p:nvPicPr>
-          <p:cNvPr id="140" name="Google Shape;140;p24"/>
+          <p:cNvPr id="142" name="Google Shape;142;p24"/>
           <p:cNvPicPr preferRelativeResize="0"/>
           <p:nvPr/>
         </p:nvPicPr>
@@ -14306,7 +14294,7 @@
       </p:pic>
       <p:pic>
         <p:nvPicPr>
-          <p:cNvPr id="141" name="Google Shape;141;p24"/>
+          <p:cNvPr id="143" name="Google Shape;143;p24"/>
           <p:cNvPicPr preferRelativeResize="0"/>
           <p:nvPr/>
         </p:nvPicPr>
@@ -14339,7 +14327,7 @@
       </p:pic>
       <p:pic>
         <p:nvPicPr>
-          <p:cNvPr id="142" name="Google Shape;142;p24"/>
+          <p:cNvPr id="144" name="Google Shape;144;p24"/>
           <p:cNvPicPr preferRelativeResize="0"/>
           <p:nvPr/>
         </p:nvPicPr>
@@ -14383,7 +14371,7 @@
   <p:cSld>
     <p:spTree>
       <p:nvGrpSpPr>
-        <p:cNvPr id="1" name="Shape 146"/>
+        <p:cNvPr id="1" name="Shape 148"/>
         <p:cNvGrpSpPr/>
         <p:nvPr/>
       </p:nvGrpSpPr>
@@ -14397,7 +14385,7 @@
       </p:grpSpPr>
       <p:sp>
         <p:nvSpPr>
-          <p:cNvPr id="147" name="Google Shape;147;p25"/>
+          <p:cNvPr id="149" name="Google Shape;149;p25"/>
           <p:cNvSpPr txBox="1"/>
           <p:nvPr/>
         </p:nvSpPr>
@@ -14460,7 +14448,7 @@
       </p:sp>
       <p:sp>
         <p:nvSpPr>
-          <p:cNvPr id="148" name="Google Shape;148;p25"/>
+          <p:cNvPr id="150" name="Google Shape;150;p25"/>
           <p:cNvSpPr txBox="1"/>
           <p:nvPr/>
         </p:nvSpPr>
@@ -15039,7 +15027,7 @@
   <p:cSld>
     <p:spTree>
       <p:nvGrpSpPr>
-        <p:cNvPr id="1" name="Shape 152"/>
+        <p:cNvPr id="1" name="Shape 154"/>
         <p:cNvGrpSpPr/>
         <p:nvPr/>
       </p:nvGrpSpPr>
@@ -15053,7 +15041,7 @@
       </p:grpSpPr>
       <p:sp>
         <p:nvSpPr>
-          <p:cNvPr id="153" name="Google Shape;153;p26"/>
+          <p:cNvPr id="155" name="Google Shape;155;p26"/>
           <p:cNvSpPr txBox="1"/>
           <p:nvPr/>
         </p:nvSpPr>
@@ -15116,7 +15104,7 @@
       </p:sp>
       <p:sp>
         <p:nvSpPr>
-          <p:cNvPr id="154" name="Google Shape;154;p26"/>
+          <p:cNvPr id="156" name="Google Shape;156;p26"/>
           <p:cNvSpPr txBox="1"/>
           <p:nvPr/>
         </p:nvSpPr>
@@ -15910,7 +15898,7 @@
       </p:sp>
       <p:pic>
         <p:nvPicPr>
-          <p:cNvPr id="155" name="Google Shape;155;p26"/>
+          <p:cNvPr id="157" name="Google Shape;157;p26"/>
           <p:cNvPicPr preferRelativeResize="0"/>
           <p:nvPr/>
         </p:nvPicPr>
@@ -15947,6 +15935,96 @@
           </a:ln>
         </p:spPr>
       </p:pic>
+      <p:sp>
+        <p:nvSpPr>
+          <p:cNvPr id="158" name="Google Shape;158;p26"/>
+          <p:cNvSpPr txBox="1"/>
+          <p:nvPr/>
+        </p:nvSpPr>
+        <p:spPr>
+          <a:xfrm>
+            <a:off x="4588575" y="181098"/>
+            <a:ext cx="4428000" cy="418500"/>
+          </a:xfrm>
+          <a:prstGeom prst="rect">
+            <a:avLst/>
+          </a:prstGeom>
+          <a:solidFill>
+            <a:srgbClr val="FFF2CC"/>
+          </a:solidFill>
+          <a:ln w="9525" cap="flat" cmpd="sng">
+            <a:solidFill>
+              <a:srgbClr val="FF0000"/>
+            </a:solidFill>
+            <a:prstDash val="solid"/>
+            <a:round/>
+            <a:headEnd type="none" w="sm" len="sm"/>
+            <a:tailEnd type="none" w="sm" len="sm"/>
+          </a:ln>
+        </p:spPr>
+        <p:txBody>
+          <a:bodyPr spcFirstLastPara="1" wrap="square" lIns="9125" tIns="9125" rIns="9125" bIns="9125" anchor="t" anchorCtr="0">
+            <a:spAutoFit/>
+          </a:bodyPr>
+          <a:lstStyle/>
+          <a:p>
+            <a:pPr marL="0" lvl="0" indent="0" algn="l" rtl="0">
+              <a:spcBef>
+                <a:spcPts val="0"/>
+              </a:spcBef>
+              <a:spcAft>
+                <a:spcPts val="0"/>
+              </a:spcAft>
+              <a:buNone/>
+            </a:pPr>
+            <a:r>
+              <a:rPr lang="en" sz="1300">
+                <a:solidFill>
+                  <a:schemeClr val="dk1"/>
+                </a:solidFill>
+                <a:latin typeface="Calibri"/>
+                <a:ea typeface="Calibri"/>
+                <a:cs typeface="Calibri"/>
+                <a:sym typeface="Calibri"/>
+              </a:rPr>
+              <a:t>OpenAI "</a:t>
+            </a:r>
+            <a:r>
+              <a:rPr lang="en" sz="1300" b="1">
+                <a:solidFill>
+                  <a:srgbClr val="FF0000"/>
+                </a:solidFill>
+                <a:latin typeface="Calibri"/>
+                <a:ea typeface="Calibri"/>
+                <a:cs typeface="Calibri"/>
+                <a:sym typeface="Calibri"/>
+              </a:rPr>
+              <a:t>Orion</a:t>
+            </a:r>
+            <a:r>
+              <a:rPr lang="en" sz="1300">
+                <a:solidFill>
+                  <a:schemeClr val="dk1"/>
+                </a:solidFill>
+                <a:latin typeface="Calibri"/>
+                <a:ea typeface="Calibri"/>
+                <a:cs typeface="Calibri"/>
+                <a:sym typeface="Calibri"/>
+              </a:rPr>
+              <a:t>" is rumored to be released around the 2-year anniversary of ChatGPT - November 30, 2024.</a:t>
+            </a:r>
+            <a:endParaRPr sz="900">
+              <a:solidFill>
+                <a:schemeClr val="dk1"/>
+              </a:solidFill>
+              <a:latin typeface="Calibri"/>
+              <a:ea typeface="Calibri"/>
+              <a:cs typeface="Calibri"/>
+              <a:sym typeface="Calibri"/>
+            </a:endParaRPr>
+          </a:p>
+        </p:txBody>
+      </p:sp>
     </p:spTree>
   </p:cSld>
   <p:clrMapOvr>
@@ -15960,7 +16038,7 @@
   <p:cSld>
     <p:spTree>
       <p:nvGrpSpPr>
-        <p:cNvPr id="1" name="Shape 159"/>
+        <p:cNvPr id="1" name="Shape 162"/>
         <p:cNvGrpSpPr/>
         <p:nvPr/>
       </p:nvGrpSpPr>
@@ -15974,7 +16052,7 @@
       </p:grpSpPr>
       <p:sp>
         <p:nvSpPr>
-          <p:cNvPr id="160" name="Google Shape;160;p27"/>
+          <p:cNvPr id="163" name="Google Shape;163;p27"/>
           <p:cNvSpPr txBox="1"/>
           <p:nvPr/>
         </p:nvSpPr>
@@ -16037,7 +16115,7 @@
       </p:sp>
       <p:sp>
         <p:nvSpPr>
-          <p:cNvPr id="161" name="Google Shape;161;p27"/>
+          <p:cNvPr id="164" name="Google Shape;164;p27"/>
           <p:cNvSpPr txBox="1"/>
           <p:nvPr/>
         </p:nvSpPr>
@@ -16312,7 +16390,7 @@
       </p:sp>
       <p:sp>
         <p:nvSpPr>
-          <p:cNvPr id="162" name="Google Shape;162;p27"/>
+          <p:cNvPr id="165" name="Google Shape;165;p27"/>
           <p:cNvSpPr txBox="1"/>
           <p:nvPr/>
         </p:nvSpPr>
@@ -16607,7 +16685,7 @@
       </p:sp>
       <p:sp>
         <p:nvSpPr>
-          <p:cNvPr id="163" name="Google Shape;163;p27"/>
+          <p:cNvPr id="166" name="Google Shape;166;p27"/>
           <p:cNvSpPr txBox="1"/>
           <p:nvPr/>
         </p:nvSpPr>
@@ -16781,7 +16859,7 @@
       </p:sp>
       <p:pic>
         <p:nvPicPr>
-          <p:cNvPr id="164" name="Google Shape;164;p27"/>
+          <p:cNvPr id="167" name="Google Shape;167;p27"/>
           <p:cNvPicPr preferRelativeResize="0"/>
           <p:nvPr/>
         </p:nvPicPr>
@@ -16820,7 +16898,7 @@
       </p:pic>
       <p:pic>
         <p:nvPicPr>
-          <p:cNvPr id="165" name="Google Shape;165;p27"/>
+          <p:cNvPr id="168" name="Google Shape;168;p27"/>
           <p:cNvPicPr preferRelativeResize="0"/>
           <p:nvPr/>
         </p:nvPicPr>
@@ -16865,7 +16943,7 @@
   <p:cSld>
     <p:spTree>
       <p:nvGrpSpPr>
-        <p:cNvPr id="1" name="Shape 169"/>
+        <p:cNvPr id="1" name="Shape 172"/>
         <p:cNvGrpSpPr/>
         <p:nvPr/>
       </p:nvGrpSpPr>
@@ -16879,14 +16957,14 @@
       </p:grpSpPr>
       <p:sp>
         <p:nvSpPr>
-          <p:cNvPr id="170" name="Google Shape;170;p28"/>
+          <p:cNvPr id="173" name="Google Shape;173;p28"/>
           <p:cNvSpPr txBox="1"/>
           <p:nvPr/>
         </p:nvSpPr>
         <p:spPr>
           <a:xfrm>
             <a:off x="91750" y="22650"/>
-            <a:ext cx="1777500" cy="326400"/>
+            <a:ext cx="3945000" cy="326400"/>
           </a:xfrm>
           <a:prstGeom prst="rect">
             <a:avLst/>
@@ -16926,7 +17004,7 @@
                 <a:cs typeface="Calibri"/>
                 <a:sym typeface="Calibri"/>
               </a:rPr>
-              <a:t>Text to Video</a:t>
+              <a:t>Ray Kurzweil about AI</a:t>
             </a:r>
             <a:endParaRPr sz="2000" b="1">
               <a:solidFill>
@@ -16942,14 +17020,14 @@
       </p:sp>
       <p:sp>
         <p:nvSpPr>
-          <p:cNvPr id="171" name="Google Shape;171;p28"/>
+          <p:cNvPr id="174" name="Google Shape;174;p28"/>
           <p:cNvSpPr txBox="1"/>
           <p:nvPr/>
         </p:nvSpPr>
         <p:spPr>
           <a:xfrm>
-            <a:off x="108767" y="454500"/>
-            <a:ext cx="3927900" cy="3020100"/>
+            <a:off x="91750" y="407950"/>
+            <a:ext cx="4438200" cy="3420300"/>
           </a:xfrm>
           <a:prstGeom prst="rect">
             <a:avLst/>
@@ -16983,20 +17061,20 @@
               <a:buNone/>
             </a:pPr>
             <a:r>
-              <a:rPr lang="en" sz="1300">
-                <a:solidFill>
-                  <a:schemeClr val="dk1"/>
-                </a:solidFill>
-                <a:latin typeface="Calibri"/>
-                <a:ea typeface="Calibri"/>
-                <a:cs typeface="Calibri"/>
-                <a:sym typeface="Calibri"/>
-              </a:rPr>
-              <a:t>google for:   </a:t>
-            </a:r>
-            <a:endParaRPr sz="1300">
+              <a:rPr lang="en" sz="1300" b="1">
+                <a:solidFill>
+                  <a:srgbClr val="FF0000"/>
+                </a:solidFill>
+                <a:latin typeface="Calibri"/>
+                <a:ea typeface="Calibri"/>
+                <a:cs typeface="Calibri"/>
+                <a:sym typeface="Calibri"/>
+              </a:rPr>
+              <a:t>Peter Diamandis and Ray Kurzweil</a:t>
+            </a:r>
+            <a:endParaRPr sz="1300" b="1">
               <a:solidFill>
-                <a:schemeClr val="dk1"/>
+                <a:srgbClr val="FF0000"/>
               </a:solidFill>
               <a:latin typeface="Calibri"/>
               <a:ea typeface="Calibri"/>
@@ -17015,16 +17093,17 @@
               <a:buNone/>
             </a:pPr>
             <a:r>
-              <a:rPr lang="en" sz="1300">
-                <a:solidFill>
-                  <a:schemeClr val="dk1"/>
-                </a:solidFill>
-                <a:latin typeface="Calibri"/>
-                <a:ea typeface="Calibri"/>
-                <a:cs typeface="Calibri"/>
-                <a:sym typeface="Calibri"/>
-              </a:rPr>
-              <a:t>ai text to audio</a:t>
+              <a:rPr lang="en" sz="1300" u="sng">
+                <a:solidFill>
+                  <a:schemeClr val="hlink"/>
+                </a:solidFill>
+                <a:latin typeface="Calibri"/>
+                <a:ea typeface="Calibri"/>
+                <a:cs typeface="Calibri"/>
+                <a:sym typeface="Calibri"/>
+                <a:hlinkClick r:id="rId3"/>
+              </a:rPr>
+              <a:t>https://www.youtube.com/watch?v=xqS5PDYbTsE</a:t>
             </a:r>
             <a:endParaRPr sz="1300">
               <a:solidFill>
@@ -17056,7 +17135,7 @@
                 <a:cs typeface="Calibri"/>
                 <a:sym typeface="Calibri"/>
               </a:rPr>
-              <a:t>ai text to video</a:t>
+              <a:t>Kurzweil reiterates his prediction of human-level AI by 2029</a:t>
             </a:r>
             <a:endParaRPr sz="1300">
               <a:solidFill>
@@ -17088,7 +17167,7 @@
                 <a:cs typeface="Calibri"/>
                 <a:sym typeface="Calibri"/>
               </a:rPr>
-              <a:t>ai text to podcast</a:t>
+              <a:t>Kurzweil predicts AI will soon surpass average human intelligence, potentially reaching an IQ of 150 in the near future</a:t>
             </a:r>
             <a:endParaRPr sz="1300">
               <a:solidFill>
@@ -17110,6 +17189,18 @@
               </a:spcAft>
               <a:buNone/>
             </a:pPr>
+            <a:r>
+              <a:rPr lang="en" sz="1300">
+                <a:solidFill>
+                  <a:schemeClr val="dk1"/>
+                </a:solidFill>
+                <a:latin typeface="Calibri"/>
+                <a:ea typeface="Calibri"/>
+                <a:cs typeface="Calibri"/>
+                <a:sym typeface="Calibri"/>
+              </a:rPr>
+              <a:t>AI in drug discovery, Kurzweil predicts even faster progress in the future with AI-powered simulations and analysis.</a:t>
+            </a:r>
             <a:endParaRPr sz="1300">
               <a:solidFill>
                 <a:schemeClr val="dk1"/>
@@ -17131,17 +17222,16 @@
               <a:buNone/>
             </a:pPr>
             <a:r>
-              <a:rPr lang="en" sz="1300" u="sng">
-                <a:solidFill>
-                  <a:schemeClr val="hlink"/>
-                </a:solidFill>
-                <a:latin typeface="Calibri"/>
-                <a:ea typeface="Calibri"/>
-                <a:cs typeface="Calibri"/>
-                <a:sym typeface="Calibri"/>
-                <a:hlinkClick r:id="rId3"/>
-              </a:rPr>
-              <a:t>https://www.zdnet.com/article/googles-ai-podcast-tool-transforms-your-text-into-stunningly-lifelike-audio-for-free/</a:t>
+              <a:rPr lang="en" sz="1300">
+                <a:solidFill>
+                  <a:schemeClr val="dk1"/>
+                </a:solidFill>
+                <a:latin typeface="Calibri"/>
+                <a:ea typeface="Calibri"/>
+                <a:cs typeface="Calibri"/>
+                <a:sym typeface="Calibri"/>
+              </a:rPr>
+              <a:t>Brain-computer interfaces - our neocortex will be connected to the cloud, enhancing our cognitive abilities and communication by 2030</a:t>
             </a:r>
             <a:endParaRPr sz="1300">
               <a:solidFill>
@@ -17163,6 +17253,18 @@
               </a:spcAft>
               <a:buNone/>
             </a:pPr>
+            <a:r>
+              <a:rPr lang="en" sz="1300">
+                <a:solidFill>
+                  <a:schemeClr val="dk1"/>
+                </a:solidFill>
+                <a:latin typeface="Calibri"/>
+                <a:ea typeface="Calibri"/>
+                <a:cs typeface="Calibri"/>
+                <a:sym typeface="Calibri"/>
+              </a:rPr>
+              <a:t>Nanotechnology - Kurzweil believes current technology is sufficient for brain-computer interfaces</a:t>
+            </a:r>
             <a:endParaRPr sz="1300">
               <a:solidFill>
                 <a:schemeClr val="dk1"/>
@@ -17189,18 +17291,6 @@
               <a:buNone/>
             </a:pPr>
             <a:r>
-              <a:rPr lang="en" sz="1300" b="1">
-                <a:solidFill>
-                  <a:srgbClr val="FF0000"/>
-                </a:solidFill>
-                <a:latin typeface="Calibri"/>
-                <a:ea typeface="Calibri"/>
-                <a:cs typeface="Calibri"/>
-                <a:sym typeface="Calibri"/>
-              </a:rPr>
-              <a:t>Google's illuminate </a:t>
-            </a:r>
-            <a:r>
               <a:rPr lang="en" sz="1300">
                 <a:solidFill>
                   <a:schemeClr val="dk1"/>
@@ -17210,38 +17300,7 @@
                 <a:cs typeface="Calibri"/>
                 <a:sym typeface="Calibri"/>
               </a:rPr>
-              <a:t>- the tool trained on AI &amp; science-related Arxiv papers - </a:t>
-            </a:r>
-            <a:r>
-              <a:rPr lang="en" sz="1300" u="sng">
-                <a:solidFill>
-                  <a:schemeClr val="accent5"/>
-                </a:solidFill>
-                <a:latin typeface="Calibri"/>
-                <a:ea typeface="Calibri"/>
-                <a:cs typeface="Calibri"/>
-                <a:sym typeface="Calibri"/>
-                <a:hlinkClick r:id="rId4">
-                  <a:extLst>
-                    <a:ext uri="{A12FA001-AC4F-418D-AE19-62706E023703}">
-                      <ahyp:hlinkClr xmlns:ahyp="http://schemas.microsoft.com/office/drawing/2018/hyperlinkcolor" val="tx"/>
-                    </a:ext>
-                  </a:extLst>
-                </a:hlinkClick>
-              </a:rPr>
-              <a:t>https://illuminate.google.com</a:t>
-            </a:r>
-            <a:r>
-              <a:rPr lang="en" sz="1300">
-                <a:solidFill>
-                  <a:schemeClr val="dk1"/>
-                </a:solidFill>
-                <a:latin typeface="Calibri"/>
-                <a:ea typeface="Calibri"/>
-                <a:cs typeface="Calibri"/>
-                <a:sym typeface="Calibri"/>
-              </a:rPr>
-              <a:t> </a:t>
+              <a:t>Turing Test - has already been passed. AI will soon be so advanced that the Turing Test will become irrelevant.</a:t>
             </a:r>
             <a:endParaRPr sz="1300">
               <a:solidFill>
@@ -17261,13 +17320,20 @@
               <a:spcAft>
                 <a:spcPts val="0"/>
               </a:spcAft>
-              <a:buClr>
-                <a:schemeClr val="dk1"/>
-              </a:buClr>
-              <a:buSzPts val="1100"/>
-              <a:buFont typeface="Arial"/>
-              <a:buNone/>
-            </a:pPr>
+              <a:buNone/>
+            </a:pPr>
+            <a:r>
+              <a:rPr lang="en" sz="1300">
+                <a:solidFill>
+                  <a:schemeClr val="dk1"/>
+                </a:solidFill>
+                <a:latin typeface="Calibri"/>
+                <a:ea typeface="Calibri"/>
+                <a:cs typeface="Calibri"/>
+                <a:sym typeface="Calibri"/>
+              </a:rPr>
+              <a:t>Abundance and fear. Technology can create abundance and overcome scarcity, but fear and a scarcity mindset can hinder progress.</a:t>
+            </a:r>
             <a:endParaRPr sz="1300">
               <a:solidFill>
                 <a:schemeClr val="dk1"/>
@@ -17278,131 +17344,96 @@
               <a:sym typeface="Calibri"/>
             </a:endParaRPr>
           </a:p>
-          <a:p>
-            <a:pPr marL="0" lvl="0" indent="0" algn="l" rtl="0">
-              <a:spcBef>
-                <a:spcPts val="0"/>
-              </a:spcBef>
-              <a:spcAft>
-                <a:spcPts val="0"/>
-              </a:spcAft>
-              <a:buClr>
-                <a:schemeClr val="dk1"/>
-              </a:buClr>
-              <a:buSzPts val="1100"/>
-              <a:buFont typeface="Arial"/>
-              <a:buNone/>
-            </a:pPr>
-            <a:r>
-              <a:rPr lang="en" sz="1300">
-                <a:solidFill>
-                  <a:schemeClr val="dk1"/>
-                </a:solidFill>
-                <a:latin typeface="Calibri"/>
-                <a:ea typeface="Calibri"/>
-                <a:cs typeface="Calibri"/>
-                <a:sym typeface="Calibri"/>
-              </a:rPr>
-              <a:t>Here are many podcasts converted to animated videos:</a:t>
-            </a:r>
-            <a:endParaRPr sz="1300">
-              <a:solidFill>
-                <a:schemeClr val="dk1"/>
-              </a:solidFill>
-              <a:latin typeface="Calibri"/>
-              <a:ea typeface="Calibri"/>
-              <a:cs typeface="Calibri"/>
-              <a:sym typeface="Calibri"/>
-            </a:endParaRPr>
-          </a:p>
-          <a:p>
-            <a:pPr marL="0" lvl="0" indent="0" algn="l" rtl="0">
-              <a:spcBef>
-                <a:spcPts val="0"/>
-              </a:spcBef>
-              <a:spcAft>
-                <a:spcPts val="0"/>
-              </a:spcAft>
-              <a:buClr>
-                <a:schemeClr val="dk1"/>
-              </a:buClr>
-              <a:buSzPts val="1100"/>
-              <a:buFont typeface="Arial"/>
-              <a:buNone/>
-            </a:pPr>
-            <a:r>
-              <a:rPr lang="en" sz="1300" u="sng">
-                <a:solidFill>
-                  <a:schemeClr val="accent5"/>
-                </a:solidFill>
-                <a:latin typeface="Calibri"/>
-                <a:ea typeface="Calibri"/>
-                <a:cs typeface="Calibri"/>
-                <a:sym typeface="Calibri"/>
-                <a:hlinkClick r:id="rId5">
-                  <a:extLst>
-                    <a:ext uri="{A12FA001-AC4F-418D-AE19-62706E023703}">
-                      <ahyp:hlinkClr xmlns:ahyp="http://schemas.microsoft.com/office/drawing/2018/hyperlinkcolor" val="tx"/>
-                    </a:ext>
-                  </a:extLst>
-                </a:hlinkClick>
-              </a:rPr>
-              <a:t>https://www.youtube.com/@RohanPaul-AI/videos</a:t>
-            </a:r>
-            <a:r>
-              <a:rPr lang="en" sz="1300">
-                <a:solidFill>
-                  <a:schemeClr val="dk1"/>
-                </a:solidFill>
-                <a:latin typeface="Calibri"/>
-                <a:ea typeface="Calibri"/>
-                <a:cs typeface="Calibri"/>
-                <a:sym typeface="Calibri"/>
-              </a:rPr>
-              <a:t> </a:t>
-            </a:r>
-            <a:endParaRPr sz="1300">
-              <a:solidFill>
-                <a:schemeClr val="dk1"/>
-              </a:solidFill>
-              <a:latin typeface="Calibri"/>
-              <a:ea typeface="Calibri"/>
-              <a:cs typeface="Calibri"/>
-              <a:sym typeface="Calibri"/>
-            </a:endParaRPr>
-          </a:p>
-          <a:p>
-            <a:pPr marL="0" lvl="0" indent="0" algn="l" rtl="0">
-              <a:spcBef>
-                <a:spcPts val="0"/>
-              </a:spcBef>
-              <a:spcAft>
-                <a:spcPts val="0"/>
-              </a:spcAft>
-              <a:buNone/>
-            </a:pPr>
-            <a:endParaRPr sz="1300">
-              <a:solidFill>
-                <a:schemeClr val="dk1"/>
-              </a:solidFill>
-              <a:latin typeface="Calibri"/>
-              <a:ea typeface="Calibri"/>
-              <a:cs typeface="Calibri"/>
-              <a:sym typeface="Calibri"/>
-            </a:endParaRPr>
-          </a:p>
         </p:txBody>
       </p:sp>
+      <p:pic>
+        <p:nvPicPr>
+          <p:cNvPr id="175" name="Google Shape;175;p28"/>
+          <p:cNvPicPr preferRelativeResize="0"/>
+          <p:nvPr/>
+        </p:nvPicPr>
+        <p:blipFill>
+          <a:blip r:embed="rId4" cstate="email">
+            <a:alphaModFix/>
+            <a:extLst>
+              <a:ext uri="{28A0092B-C50C-407E-A947-70E740481C1C}">
+                <a14:useLocalDpi xmlns:a14="http://schemas.microsoft.com/office/drawing/2010/main"/>
+              </a:ext>
+            </a:extLst>
+          </a:blip>
+          <a:stretch>
+            <a:fillRect/>
+          </a:stretch>
+        </p:blipFill>
+        <p:spPr>
+          <a:xfrm>
+            <a:off x="6851001" y="127776"/>
+            <a:ext cx="2087950" cy="1866122"/>
+          </a:xfrm>
+          <a:prstGeom prst="rect">
+            <a:avLst/>
+          </a:prstGeom>
+          <a:noFill/>
+          <a:ln w="9525" cap="flat" cmpd="sng">
+            <a:solidFill>
+              <a:srgbClr val="FF0000"/>
+            </a:solidFill>
+            <a:prstDash val="solid"/>
+            <a:round/>
+            <a:headEnd type="none" w="sm" len="sm"/>
+            <a:tailEnd type="none" w="sm" len="sm"/>
+          </a:ln>
+        </p:spPr>
+      </p:pic>
+      <p:pic>
+        <p:nvPicPr>
+          <p:cNvPr id="176" name="Google Shape;176;p28"/>
+          <p:cNvPicPr preferRelativeResize="0"/>
+          <p:nvPr/>
+        </p:nvPicPr>
+        <p:blipFill>
+          <a:blip r:embed="rId5" cstate="email">
+            <a:alphaModFix/>
+            <a:extLst>
+              <a:ext uri="{28A0092B-C50C-407E-A947-70E740481C1C}">
+                <a14:useLocalDpi xmlns:a14="http://schemas.microsoft.com/office/drawing/2010/main"/>
+              </a:ext>
+            </a:extLst>
+          </a:blip>
+          <a:stretch>
+            <a:fillRect/>
+          </a:stretch>
+        </p:blipFill>
+        <p:spPr>
+          <a:xfrm>
+            <a:off x="4603973" y="110850"/>
+            <a:ext cx="2125850" cy="1899975"/>
+          </a:xfrm>
+          <a:prstGeom prst="rect">
+            <a:avLst/>
+          </a:prstGeom>
+          <a:noFill/>
+          <a:ln w="9525" cap="flat" cmpd="sng">
+            <a:solidFill>
+              <a:srgbClr val="FF0000"/>
+            </a:solidFill>
+            <a:prstDash val="solid"/>
+            <a:round/>
+            <a:headEnd type="none" w="sm" len="sm"/>
+            <a:tailEnd type="none" w="sm" len="sm"/>
+          </a:ln>
+        </p:spPr>
+      </p:pic>
       <p:sp>
         <p:nvSpPr>
-          <p:cNvPr id="172" name="Google Shape;172;p28"/>
+          <p:cNvPr id="177" name="Google Shape;177;p28"/>
           <p:cNvSpPr txBox="1"/>
           <p:nvPr/>
         </p:nvSpPr>
         <p:spPr>
           <a:xfrm>
-            <a:off x="5067367" y="143550"/>
-            <a:ext cx="3927900" cy="2819700"/>
+            <a:off x="5123492" y="3828250"/>
+            <a:ext cx="3927900" cy="1218900"/>
           </a:xfrm>
           <a:prstGeom prst="rect">
             <a:avLst/>
@@ -17436,23 +17467,64 @@
               <a:buNone/>
             </a:pPr>
             <a:r>
-              <a:rPr lang="en" sz="1300" u="sng">
-                <a:solidFill>
-                  <a:schemeClr val="accent5"/>
-                </a:solidFill>
-                <a:latin typeface="Calibri"/>
-                <a:ea typeface="Calibri"/>
-                <a:cs typeface="Calibri"/>
-                <a:sym typeface="Calibri"/>
-                <a:hlinkClick r:id="rId6">
-                  <a:extLst>
-                    <a:ext uri="{A12FA001-AC4F-418D-AE19-62706E023703}">
-                      <ahyp:hlinkClr xmlns:ahyp="http://schemas.microsoft.com/office/drawing/2018/hyperlinkcolor" val="tx"/>
-                    </a:ext>
-                  </a:extLst>
-                </a:hlinkClick>
-              </a:rPr>
-              <a:t>https://notebooklm.google.com/</a:t>
+              <a:rPr lang="en" sz="1300">
+                <a:solidFill>
+                  <a:schemeClr val="dk1"/>
+                </a:solidFill>
+                <a:latin typeface="Calibri"/>
+                <a:ea typeface="Calibri"/>
+                <a:cs typeface="Calibri"/>
+                <a:sym typeface="Calibri"/>
+              </a:rPr>
+              <a:t>Google DeepMind researcher </a:t>
+            </a:r>
+            <a:r>
+              <a:rPr lang="en" sz="1300" b="1">
+                <a:solidFill>
+                  <a:srgbClr val="FF0000"/>
+                </a:solidFill>
+                <a:latin typeface="Calibri"/>
+                <a:ea typeface="Calibri"/>
+                <a:cs typeface="Calibri"/>
+                <a:sym typeface="Calibri"/>
+              </a:rPr>
+              <a:t>Tim Rocktäschel </a:t>
+            </a:r>
+            <a:r>
+              <a:rPr lang="en" sz="1300">
+                <a:solidFill>
+                  <a:schemeClr val="dk1"/>
+                </a:solidFill>
+                <a:latin typeface="Calibri"/>
+                <a:ea typeface="Calibri"/>
+                <a:cs typeface="Calibri"/>
+                <a:sym typeface="Calibri"/>
+              </a:rPr>
+              <a:t>says we now have all the ingredients to build </a:t>
+            </a:r>
+            <a:r>
+              <a:rPr lang="en" sz="1300" b="1">
+                <a:solidFill>
+                  <a:srgbClr val="FF0000"/>
+                </a:solidFill>
+                <a:latin typeface="Calibri"/>
+                <a:ea typeface="Calibri"/>
+                <a:cs typeface="Calibri"/>
+                <a:sym typeface="Calibri"/>
+              </a:rPr>
+              <a:t>open-ended self-improving AI systems that can enhance themselves</a:t>
+            </a:r>
+            <a:r>
+              <a:rPr lang="en" sz="1300">
+                <a:solidFill>
+                  <a:schemeClr val="dk1"/>
+                </a:solidFill>
+                <a:latin typeface="Calibri"/>
+                <a:ea typeface="Calibri"/>
+                <a:cs typeface="Calibri"/>
+                <a:sym typeface="Calibri"/>
+              </a:rPr>
+              <a:t> by way of technological evolution. </a:t>
             </a:r>
             <a:endParaRPr sz="1300">
               <a:solidFill>
@@ -17475,33 +17547,20 @@
               <a:buNone/>
             </a:pPr>
             <a:r>
-              <a:rPr lang="en" sz="1300" u="sng">
-                <a:solidFill>
-                  <a:schemeClr val="hlink"/>
-                </a:solidFill>
-                <a:latin typeface="Calibri"/>
-                <a:ea typeface="Calibri"/>
-                <a:cs typeface="Calibri"/>
-                <a:sym typeface="Calibri"/>
-                <a:hlinkClick r:id="rId7"/>
-              </a:rPr>
-              <a:t>https://www.youtube.com/watch?v=oSuXs0w1PPY</a:t>
-            </a:r>
-            <a:r>
-              <a:rPr lang="en" sz="1300">
-                <a:solidFill>
-                  <a:schemeClr val="dk1"/>
-                </a:solidFill>
-                <a:latin typeface="Calibri"/>
-                <a:ea typeface="Calibri"/>
-                <a:cs typeface="Calibri"/>
-                <a:sym typeface="Calibri"/>
-              </a:rPr>
-              <a:t> </a:t>
-            </a:r>
-            <a:endParaRPr sz="1300">
+              <a:rPr lang="en" sz="1300" b="1">
+                <a:solidFill>
+                  <a:srgbClr val="FF0000"/>
+                </a:solidFill>
+                <a:latin typeface="Calibri"/>
+                <a:ea typeface="Calibri"/>
+                <a:cs typeface="Calibri"/>
+                <a:sym typeface="Calibri"/>
+              </a:rPr>
+              <a:t>This could lead to AGI sooner than expected.</a:t>
+            </a:r>
+            <a:endParaRPr sz="1300" b="1">
               <a:solidFill>
-                <a:schemeClr val="dk1"/>
+                <a:srgbClr val="FF0000"/>
               </a:solidFill>
               <a:latin typeface="Calibri"/>
               <a:ea typeface="Calibri"/>
@@ -17517,13 +17576,21 @@
               <a:spcAft>
                 <a:spcPts val="0"/>
               </a:spcAft>
-              <a:buClr>
-                <a:schemeClr val="dk1"/>
-              </a:buClr>
-              <a:buSzPts val="1100"/>
-              <a:buFont typeface="Arial"/>
-              <a:buNone/>
-            </a:pPr>
+              <a:buNone/>
+            </a:pPr>
+            <a:r>
+              <a:rPr lang="en" sz="1300" u="sng">
+                <a:solidFill>
+                  <a:schemeClr val="hlink"/>
+                </a:solidFill>
+                <a:latin typeface="Calibri"/>
+                <a:ea typeface="Calibri"/>
+                <a:cs typeface="Calibri"/>
+                <a:sym typeface="Calibri"/>
+                <a:hlinkClick r:id="rId6"/>
+              </a:rPr>
+              <a:t>https://www.youtube.com/watch?v=IymwqDI6uyI</a:t>
+            </a:r>
             <a:r>
               <a:rPr lang="en" sz="1300">
                 <a:solidFill>
@@ -17534,7 +17601,7 @@
                 <a:cs typeface="Calibri"/>
                 <a:sym typeface="Calibri"/>
               </a:rPr>
-              <a:t>Google's Notebook LM is gaining popularity and has released new features, including AI podcast feature, the ability to customize podcasts and a business edition.</a:t>
+              <a:t> </a:t>
             </a:r>
             <a:endParaRPr sz="1300">
               <a:solidFill>
@@ -17546,407 +17613,36 @@
               <a:sym typeface="Calibri"/>
             </a:endParaRPr>
           </a:p>
-          <a:p>
-            <a:pPr marL="0" lvl="0" indent="0" algn="l" rtl="0">
-              <a:spcBef>
-                <a:spcPts val="0"/>
-              </a:spcBef>
-              <a:spcAft>
-                <a:spcPts val="0"/>
-              </a:spcAft>
-              <a:buClr>
-                <a:schemeClr val="dk1"/>
-              </a:buClr>
-              <a:buSzPts val="1100"/>
-              <a:buFont typeface="Arial"/>
-              <a:buNone/>
-            </a:pPr>
-            <a:endParaRPr sz="1300">
-              <a:solidFill>
-                <a:schemeClr val="dk1"/>
-              </a:solidFill>
-              <a:latin typeface="Calibri"/>
-              <a:ea typeface="Calibri"/>
-              <a:cs typeface="Calibri"/>
-              <a:sym typeface="Calibri"/>
-            </a:endParaRPr>
-          </a:p>
-          <a:p>
-            <a:pPr marL="228600" lvl="0" indent="-139700" algn="l" rtl="0">
-              <a:spcBef>
-                <a:spcPts val="0"/>
-              </a:spcBef>
-              <a:spcAft>
-                <a:spcPts val="0"/>
-              </a:spcAft>
-              <a:buClr>
-                <a:schemeClr val="dk1"/>
-              </a:buClr>
-              <a:buSzPts val="1300"/>
-              <a:buFont typeface="Calibri"/>
-              <a:buChar char="●"/>
-            </a:pPr>
-            <a:r>
-              <a:rPr lang="en" sz="1300">
-                <a:solidFill>
-                  <a:schemeClr val="dk1"/>
-                </a:solidFill>
-                <a:latin typeface="Calibri"/>
-                <a:ea typeface="Calibri"/>
-                <a:cs typeface="Calibri"/>
-                <a:sym typeface="Calibri"/>
-              </a:rPr>
-              <a:t>Upload the documents or provide a web link</a:t>
-            </a:r>
-            <a:endParaRPr sz="1300">
-              <a:solidFill>
-                <a:schemeClr val="dk1"/>
-              </a:solidFill>
-              <a:latin typeface="Calibri"/>
-              <a:ea typeface="Calibri"/>
-              <a:cs typeface="Calibri"/>
-              <a:sym typeface="Calibri"/>
-            </a:endParaRPr>
-          </a:p>
-          <a:p>
-            <a:pPr marL="228600" lvl="0" indent="-139700" algn="l" rtl="0">
-              <a:spcBef>
-                <a:spcPts val="0"/>
-              </a:spcBef>
-              <a:spcAft>
-                <a:spcPts val="0"/>
-              </a:spcAft>
-              <a:buClr>
-                <a:schemeClr val="dk1"/>
-              </a:buClr>
-              <a:buSzPts val="1300"/>
-              <a:buFont typeface="Calibri"/>
-              <a:buChar char="●"/>
-            </a:pPr>
-            <a:r>
-              <a:rPr lang="en" sz="1300">
-                <a:solidFill>
-                  <a:schemeClr val="dk1"/>
-                </a:solidFill>
-                <a:latin typeface="Calibri"/>
-                <a:ea typeface="Calibri"/>
-                <a:cs typeface="Calibri"/>
-                <a:sym typeface="Calibri"/>
-              </a:rPr>
-              <a:t>select "Generate" option under "Audio overview."</a:t>
-            </a:r>
-            <a:endParaRPr sz="1300">
-              <a:solidFill>
-                <a:schemeClr val="dk1"/>
-              </a:solidFill>
-              <a:latin typeface="Calibri"/>
-              <a:ea typeface="Calibri"/>
-              <a:cs typeface="Calibri"/>
-              <a:sym typeface="Calibri"/>
-            </a:endParaRPr>
-          </a:p>
-          <a:p>
-            <a:pPr marL="228600" lvl="0" indent="-139700" algn="l" rtl="0">
-              <a:spcBef>
-                <a:spcPts val="0"/>
-              </a:spcBef>
-              <a:spcAft>
-                <a:spcPts val="0"/>
-              </a:spcAft>
-              <a:buClr>
-                <a:schemeClr val="dk1"/>
-              </a:buClr>
-              <a:buSzPts val="1300"/>
-              <a:buFont typeface="Calibri"/>
-              <a:buChar char="●"/>
-            </a:pPr>
-            <a:r>
-              <a:rPr lang="en" sz="1300">
-                <a:solidFill>
-                  <a:schemeClr val="dk1"/>
-                </a:solidFill>
-                <a:latin typeface="Calibri"/>
-                <a:ea typeface="Calibri"/>
-                <a:cs typeface="Calibri"/>
-                <a:sym typeface="Calibri"/>
-              </a:rPr>
-              <a:t>"File" menu, select "Export audio" ...</a:t>
-            </a:r>
-            <a:endParaRPr sz="1300">
-              <a:solidFill>
-                <a:schemeClr val="dk1"/>
-              </a:solidFill>
-              <a:latin typeface="Calibri"/>
-              <a:ea typeface="Calibri"/>
-              <a:cs typeface="Calibri"/>
-              <a:sym typeface="Calibri"/>
-            </a:endParaRPr>
-          </a:p>
-          <a:p>
-            <a:pPr marL="0" lvl="0" indent="0" algn="l" rtl="0">
-              <a:spcBef>
-                <a:spcPts val="0"/>
-              </a:spcBef>
-              <a:spcAft>
-                <a:spcPts val="0"/>
-              </a:spcAft>
-              <a:buNone/>
-            </a:pPr>
-            <a:endParaRPr sz="1300">
-              <a:solidFill>
-                <a:schemeClr val="dk1"/>
-              </a:solidFill>
-              <a:latin typeface="Calibri"/>
-              <a:ea typeface="Calibri"/>
-              <a:cs typeface="Calibri"/>
-              <a:sym typeface="Calibri"/>
-            </a:endParaRPr>
-          </a:p>
-          <a:p>
-            <a:pPr marL="0" lvl="0" indent="0" algn="l" rtl="0">
-              <a:spcBef>
-                <a:spcPts val="0"/>
-              </a:spcBef>
-              <a:spcAft>
-                <a:spcPts val="0"/>
-              </a:spcAft>
-              <a:buNone/>
-            </a:pPr>
-            <a:r>
-              <a:rPr lang="en" sz="1300">
-                <a:solidFill>
-                  <a:schemeClr val="dk1"/>
-                </a:solidFill>
-                <a:latin typeface="Calibri"/>
-                <a:ea typeface="Calibri"/>
-                <a:cs typeface="Calibri"/>
-                <a:sym typeface="Calibri"/>
-              </a:rPr>
-              <a:t>NotebookLM itself can not convert audio to video.</a:t>
-            </a:r>
-            <a:endParaRPr sz="1300">
-              <a:solidFill>
-                <a:schemeClr val="dk1"/>
-              </a:solidFill>
-              <a:latin typeface="Calibri"/>
-              <a:ea typeface="Calibri"/>
-              <a:cs typeface="Calibri"/>
-              <a:sym typeface="Calibri"/>
-            </a:endParaRPr>
-          </a:p>
-          <a:p>
-            <a:pPr marL="0" lvl="0" indent="0" algn="l" rtl="0">
-              <a:spcBef>
-                <a:spcPts val="0"/>
-              </a:spcBef>
-              <a:spcAft>
-                <a:spcPts val="0"/>
-              </a:spcAft>
-              <a:buNone/>
-            </a:pPr>
-            <a:r>
-              <a:rPr lang="en" sz="1300">
-                <a:solidFill>
-                  <a:schemeClr val="dk1"/>
-                </a:solidFill>
-                <a:latin typeface="Calibri"/>
-                <a:ea typeface="Calibri"/>
-                <a:cs typeface="Calibri"/>
-                <a:sym typeface="Calibri"/>
-              </a:rPr>
-              <a:t>But we can use other services.</a:t>
-            </a:r>
-            <a:endParaRPr sz="1300">
-              <a:solidFill>
-                <a:schemeClr val="dk1"/>
-              </a:solidFill>
-              <a:latin typeface="Calibri"/>
-              <a:ea typeface="Calibri"/>
-              <a:cs typeface="Calibri"/>
-              <a:sym typeface="Calibri"/>
-            </a:endParaRPr>
-          </a:p>
-          <a:p>
-            <a:pPr marL="228600" lvl="0" indent="-139700" algn="l" rtl="0">
-              <a:spcBef>
-                <a:spcPts val="0"/>
-              </a:spcBef>
-              <a:spcAft>
-                <a:spcPts val="0"/>
-              </a:spcAft>
-              <a:buClr>
-                <a:schemeClr val="dk1"/>
-              </a:buClr>
-              <a:buSzPts val="1300"/>
-              <a:buFont typeface="Calibri"/>
-              <a:buChar char="●"/>
-            </a:pPr>
-            <a:r>
-              <a:rPr lang="en" sz="1300">
-                <a:solidFill>
-                  <a:schemeClr val="dk1"/>
-                </a:solidFill>
-                <a:latin typeface="Calibri"/>
-                <a:ea typeface="Calibri"/>
-                <a:cs typeface="Calibri"/>
-                <a:sym typeface="Calibri"/>
-              </a:rPr>
-              <a:t>https://www.descript.com</a:t>
-            </a:r>
-            <a:endParaRPr sz="1300">
-              <a:solidFill>
-                <a:schemeClr val="dk1"/>
-              </a:solidFill>
-              <a:latin typeface="Calibri"/>
-              <a:ea typeface="Calibri"/>
-              <a:cs typeface="Calibri"/>
-              <a:sym typeface="Calibri"/>
-            </a:endParaRPr>
-          </a:p>
-          <a:p>
-            <a:pPr marL="228600" lvl="0" indent="-139700" algn="l" rtl="0">
-              <a:spcBef>
-                <a:spcPts val="0"/>
-              </a:spcBef>
-              <a:spcAft>
-                <a:spcPts val="0"/>
-              </a:spcAft>
-              <a:buClr>
-                <a:schemeClr val="dk1"/>
-              </a:buClr>
-              <a:buSzPts val="1300"/>
-              <a:buFont typeface="Calibri"/>
-              <a:buChar char="●"/>
-            </a:pPr>
-            <a:r>
-              <a:rPr lang="en" sz="1300">
-                <a:solidFill>
-                  <a:schemeClr val="dk1"/>
-                </a:solidFill>
-                <a:latin typeface="Calibri"/>
-                <a:ea typeface="Calibri"/>
-                <a:cs typeface="Calibri"/>
-                <a:sym typeface="Calibri"/>
-              </a:rPr>
-              <a:t>https://www.kapwing.com/video-editor</a:t>
-            </a:r>
-            <a:endParaRPr sz="1300">
-              <a:solidFill>
-                <a:schemeClr val="dk1"/>
-              </a:solidFill>
-              <a:latin typeface="Calibri"/>
-              <a:ea typeface="Calibri"/>
-              <a:cs typeface="Calibri"/>
-              <a:sym typeface="Calibri"/>
-            </a:endParaRPr>
-          </a:p>
         </p:txBody>
       </p:sp>
-    </p:spTree>
-  </p:cSld>
-  <p:clrMapOvr>
-    <a:masterClrMapping/>
-  </p:clrMapOvr>
-</p:sld>
-</file>
-
-<file path=ppt/slides/slide16.xml><?xml version="1.0" encoding="utf-8"?>
-<p:sld xmlns:a="http://schemas.openxmlformats.org/drawingml/2006/main" xmlns:r="http://schemas.openxmlformats.org/officeDocument/2006/relationships" xmlns:p="http://schemas.openxmlformats.org/presentationml/2006/main">
-  <p:cSld>
-    <p:spTree>
-      <p:nvGrpSpPr>
-        <p:cNvPr id="1" name="Shape 176"/>
-        <p:cNvGrpSpPr/>
-        <p:nvPr/>
-      </p:nvGrpSpPr>
-      <p:grpSpPr>
-        <a:xfrm>
-          <a:off x="0" y="0"/>
-          <a:ext cx="0" cy="0"/>
-          <a:chOff x="0" y="0"/>
-          <a:chExt cx="0" cy="0"/>
-        </a:xfrm>
-      </p:grpSpPr>
-      <p:sp>
-        <p:nvSpPr>
-          <p:cNvPr id="177" name="Google Shape;177;p29"/>
-          <p:cNvSpPr txBox="1"/>
+      <p:pic>
+        <p:nvPicPr>
+          <p:cNvPr id="178" name="Google Shape;178;p28"/>
+          <p:cNvPicPr preferRelativeResize="0"/>
           <p:nvPr/>
-        </p:nvSpPr>
+        </p:nvPicPr>
+        <p:blipFill>
+          <a:blip r:embed="rId7" cstate="email">
+            <a:alphaModFix/>
+            <a:extLst>
+              <a:ext uri="{28A0092B-C50C-407E-A947-70E740481C1C}">
+                <a14:useLocalDpi xmlns:a14="http://schemas.microsoft.com/office/drawing/2010/main"/>
+              </a:ext>
+            </a:extLst>
+          </a:blip>
+          <a:stretch>
+            <a:fillRect/>
+          </a:stretch>
+        </p:blipFill>
         <p:spPr>
           <a:xfrm>
-            <a:off x="91750" y="22650"/>
-            <a:ext cx="3945000" cy="326400"/>
+            <a:off x="6309875" y="2507375"/>
+            <a:ext cx="1363199" cy="1269175"/>
           </a:xfrm>
           <a:prstGeom prst="rect">
             <a:avLst/>
           </a:prstGeom>
           <a:noFill/>
-          <a:ln>
-            <a:noFill/>
-          </a:ln>
-        </p:spPr>
-        <p:txBody>
-          <a:bodyPr spcFirstLastPara="1" wrap="square" lIns="9125" tIns="9125" rIns="9125" bIns="9125" anchor="t" anchorCtr="0">
-            <a:spAutoFit/>
-          </a:bodyPr>
-          <a:lstStyle/>
-          <a:p>
-            <a:pPr marL="0" lvl="0" indent="0" algn="l" rtl="0">
-              <a:spcBef>
-                <a:spcPts val="0"/>
-              </a:spcBef>
-              <a:spcAft>
-                <a:spcPts val="0"/>
-              </a:spcAft>
-              <a:buClr>
-                <a:schemeClr val="dk1"/>
-              </a:buClr>
-              <a:buSzPts val="1100"/>
-              <a:buFont typeface="Arial"/>
-              <a:buNone/>
-            </a:pPr>
-            <a:r>
-              <a:rPr lang="en" sz="2000" b="1">
-                <a:solidFill>
-                  <a:schemeClr val="dk1"/>
-                </a:solidFill>
-                <a:latin typeface="Calibri"/>
-                <a:ea typeface="Calibri"/>
-                <a:cs typeface="Calibri"/>
-                <a:sym typeface="Calibri"/>
-              </a:rPr>
-              <a:t>Pandas, Polars, Sqlite</a:t>
-            </a:r>
-            <a:endParaRPr sz="2000" b="1">
-              <a:solidFill>
-                <a:schemeClr val="dk1"/>
-              </a:solidFill>
-              <a:latin typeface="Calibri"/>
-              <a:ea typeface="Calibri"/>
-              <a:cs typeface="Calibri"/>
-              <a:sym typeface="Calibri"/>
-            </a:endParaRPr>
-          </a:p>
-        </p:txBody>
-      </p:sp>
-      <p:sp>
-        <p:nvSpPr>
-          <p:cNvPr id="178" name="Google Shape;178;p29"/>
-          <p:cNvSpPr txBox="1"/>
-          <p:nvPr/>
-        </p:nvSpPr>
-        <p:spPr>
-          <a:xfrm>
-            <a:off x="108767" y="454500"/>
-            <a:ext cx="3927900" cy="218400"/>
-          </a:xfrm>
-          <a:prstGeom prst="rect">
-            <a:avLst/>
-          </a:prstGeom>
-          <a:solidFill>
-            <a:srgbClr val="FFF2CC"/>
-          </a:solidFill>
           <a:ln w="9525" cap="flat" cmpd="sng">
             <a:solidFill>
               <a:srgbClr val="FF0000"/>
@@ -17957,45 +17653,7 @@
             <a:tailEnd type="none" w="sm" len="sm"/>
           </a:ln>
         </p:spPr>
-        <p:txBody>
-          <a:bodyPr spcFirstLastPara="1" wrap="square" lIns="9125" tIns="9125" rIns="9125" bIns="9125" anchor="t" anchorCtr="0">
-            <a:spAutoFit/>
-          </a:bodyPr>
-          <a:lstStyle/>
-          <a:p>
-            <a:pPr marL="0" lvl="0" indent="0" algn="l" rtl="0">
-              <a:spcBef>
-                <a:spcPts val="0"/>
-              </a:spcBef>
-              <a:spcAft>
-                <a:spcPts val="0"/>
-              </a:spcAft>
-              <a:buNone/>
-            </a:pPr>
-            <a:r>
-              <a:rPr lang="en" sz="1300">
-                <a:solidFill>
-                  <a:schemeClr val="dk1"/>
-                </a:solidFill>
-                <a:latin typeface="Calibri"/>
-                <a:ea typeface="Calibri"/>
-                <a:cs typeface="Calibri"/>
-                <a:sym typeface="Calibri"/>
-              </a:rPr>
-              <a:t>xxxx</a:t>
-            </a:r>
-            <a:endParaRPr sz="1300">
-              <a:solidFill>
-                <a:schemeClr val="dk1"/>
-              </a:solidFill>
-              <a:latin typeface="Calibri"/>
-              <a:ea typeface="Calibri"/>
-              <a:cs typeface="Calibri"/>
-              <a:sym typeface="Calibri"/>
-            </a:endParaRPr>
-          </a:p>
-        </p:txBody>
-      </p:sp>
+      </p:pic>
     </p:spTree>
   </p:cSld>
   <p:clrMapOvr>
@@ -18004,7 +17662,7 @@
 </p:sld>
 </file>
 
-<file path=ppt/slides/slide17.xml><?xml version="1.0" encoding="utf-8"?>
+<file path=ppt/slides/slide16.xml><?xml version="1.0" encoding="utf-8"?>
 <p:sld xmlns:a="http://schemas.openxmlformats.org/drawingml/2006/main" xmlns:r="http://schemas.openxmlformats.org/officeDocument/2006/relationships" xmlns:p="http://schemas.openxmlformats.org/presentationml/2006/main">
   <p:cSld>
     <p:spTree>
@@ -18023,7 +17681,7 @@
       </p:grpSpPr>
       <p:sp>
         <p:nvSpPr>
-          <p:cNvPr id="183" name="Google Shape;183;p30"/>
+          <p:cNvPr id="183" name="Google Shape;183;p29"/>
           <p:cNvSpPr txBox="1"/>
           <p:nvPr/>
         </p:nvSpPr>
@@ -18137,7 +17795,7 @@
       </p:sp>
       <p:sp>
         <p:nvSpPr>
-          <p:cNvPr id="184" name="Google Shape;184;p30"/>
+          <p:cNvPr id="184" name="Google Shape;184;p29"/>
           <p:cNvSpPr txBox="1"/>
           <p:nvPr/>
         </p:nvSpPr>
@@ -18203,7 +17861,7 @@
       </p:sp>
       <p:sp>
         <p:nvSpPr>
-          <p:cNvPr id="185" name="Google Shape;185;p30"/>
+          <p:cNvPr id="185" name="Google Shape;185;p29"/>
           <p:cNvSpPr txBox="1"/>
           <p:nvPr/>
         </p:nvSpPr>
@@ -18294,7 +17952,7 @@
       </p:sp>
       <p:sp>
         <p:nvSpPr>
-          <p:cNvPr id="186" name="Google Shape;186;p30"/>
+          <p:cNvPr id="186" name="Google Shape;186;p29"/>
           <p:cNvSpPr txBox="1"/>
           <p:nvPr/>
         </p:nvSpPr>
@@ -18368,7 +18026,7 @@
       </p:sp>
       <p:sp>
         <p:nvSpPr>
-          <p:cNvPr id="187" name="Google Shape;187;p30"/>
+          <p:cNvPr id="187" name="Google Shape;187;p29"/>
           <p:cNvSpPr/>
           <p:nvPr/>
         </p:nvSpPr>
@@ -18414,7 +18072,7 @@
       </p:sp>
       <p:sp>
         <p:nvSpPr>
-          <p:cNvPr id="188" name="Google Shape;188;p30"/>
+          <p:cNvPr id="188" name="Google Shape;188;p29"/>
           <p:cNvSpPr/>
           <p:nvPr/>
         </p:nvSpPr>
@@ -18460,7 +18118,7 @@
       </p:sp>
       <p:sp>
         <p:nvSpPr>
-          <p:cNvPr id="189" name="Google Shape;189;p30"/>
+          <p:cNvPr id="189" name="Google Shape;189;p29"/>
           <p:cNvSpPr/>
           <p:nvPr/>
         </p:nvSpPr>
@@ -18506,7 +18164,7 @@
       </p:sp>
       <p:sp>
         <p:nvSpPr>
-          <p:cNvPr id="190" name="Google Shape;190;p30"/>
+          <p:cNvPr id="190" name="Google Shape;190;p29"/>
           <p:cNvSpPr/>
           <p:nvPr/>
         </p:nvSpPr>
@@ -18552,7 +18210,7 @@
       </p:sp>
       <p:sp>
         <p:nvSpPr>
-          <p:cNvPr id="191" name="Google Shape;191;p30"/>
+          <p:cNvPr id="191" name="Google Shape;191;p29"/>
           <p:cNvSpPr/>
           <p:nvPr/>
         </p:nvSpPr>
@@ -18598,7 +18256,7 @@
       </p:sp>
       <p:sp>
         <p:nvSpPr>
-          <p:cNvPr id="192" name="Google Shape;192;p30"/>
+          <p:cNvPr id="192" name="Google Shape;192;p29"/>
           <p:cNvSpPr txBox="1"/>
           <p:nvPr/>
         </p:nvSpPr>
@@ -18759,7 +18417,7 @@
       </p:sp>
       <p:sp>
         <p:nvSpPr>
-          <p:cNvPr id="193" name="Google Shape;193;p30"/>
+          <p:cNvPr id="193" name="Google Shape;193;p29"/>
           <p:cNvSpPr txBox="1"/>
           <p:nvPr/>
         </p:nvSpPr>
@@ -18834,7 +18492,7 @@
       </p:sp>
       <p:sp>
         <p:nvSpPr>
-          <p:cNvPr id="194" name="Google Shape;194;p30"/>
+          <p:cNvPr id="194" name="Google Shape;194;p29"/>
           <p:cNvSpPr txBox="1"/>
           <p:nvPr/>
         </p:nvSpPr>
@@ -18905,7 +18563,7 @@
       </p:sp>
       <p:sp>
         <p:nvSpPr>
-          <p:cNvPr id="195" name="Google Shape;195;p30"/>
+          <p:cNvPr id="195" name="Google Shape;195;p29"/>
           <p:cNvSpPr txBox="1"/>
           <p:nvPr/>
         </p:nvSpPr>
@@ -18976,7 +18634,7 @@
       </p:sp>
       <p:sp>
         <p:nvSpPr>
-          <p:cNvPr id="196" name="Google Shape;196;p30"/>
+          <p:cNvPr id="196" name="Google Shape;196;p29"/>
           <p:cNvSpPr/>
           <p:nvPr/>
         </p:nvSpPr>
@@ -19022,7 +18680,7 @@
       </p:sp>
       <p:sp>
         <p:nvSpPr>
-          <p:cNvPr id="197" name="Google Shape;197;p30"/>
+          <p:cNvPr id="197" name="Google Shape;197;p29"/>
           <p:cNvSpPr txBox="1"/>
           <p:nvPr/>
         </p:nvSpPr>
@@ -19097,7 +18755,7 @@
       </p:sp>
       <p:sp>
         <p:nvSpPr>
-          <p:cNvPr id="198" name="Google Shape;198;p30"/>
+          <p:cNvPr id="198" name="Google Shape;198;p29"/>
           <p:cNvSpPr/>
           <p:nvPr/>
         </p:nvSpPr>
@@ -19143,7 +18801,7 @@
       </p:sp>
       <p:sp>
         <p:nvSpPr>
-          <p:cNvPr id="199" name="Google Shape;199;p30"/>
+          <p:cNvPr id="199" name="Google Shape;199;p29"/>
           <p:cNvSpPr txBox="1"/>
           <p:nvPr/>
         </p:nvSpPr>
@@ -19218,7 +18876,7 @@
       </p:sp>
       <p:sp>
         <p:nvSpPr>
-          <p:cNvPr id="200" name="Google Shape;200;p30"/>
+          <p:cNvPr id="200" name="Google Shape;200;p29"/>
           <p:cNvSpPr txBox="1"/>
           <p:nvPr/>
         </p:nvSpPr>
@@ -19293,7 +18951,7 @@
       </p:sp>
       <p:sp>
         <p:nvSpPr>
-          <p:cNvPr id="201" name="Google Shape;201;p30"/>
+          <p:cNvPr id="201" name="Google Shape;201;p29"/>
           <p:cNvSpPr/>
           <p:nvPr/>
         </p:nvSpPr>
@@ -19339,7 +18997,7 @@
       </p:sp>
       <p:pic>
         <p:nvPicPr>
-          <p:cNvPr id="202" name="Google Shape;202;p30"/>
+          <p:cNvPr id="202" name="Google Shape;202;p29"/>
           <p:cNvPicPr preferRelativeResize="0"/>
           <p:nvPr/>
         </p:nvPicPr>
@@ -19378,7 +19036,7 @@
       </p:pic>
       <p:pic>
         <p:nvPicPr>
-          <p:cNvPr id="203" name="Google Shape;203;p30"/>
+          <p:cNvPr id="203" name="Google Shape;203;p29"/>
           <p:cNvPicPr preferRelativeResize="0"/>
           <p:nvPr/>
         </p:nvPicPr>
@@ -19417,7 +19075,7 @@
       </p:pic>
       <p:sp>
         <p:nvSpPr>
-          <p:cNvPr id="204" name="Google Shape;204;p30"/>
+          <p:cNvPr id="204" name="Google Shape;204;p29"/>
           <p:cNvSpPr/>
           <p:nvPr/>
         </p:nvSpPr>
@@ -19463,7 +19121,7 @@
       </p:sp>
       <p:sp>
         <p:nvSpPr>
-          <p:cNvPr id="205" name="Google Shape;205;p30"/>
+          <p:cNvPr id="205" name="Google Shape;205;p29"/>
           <p:cNvSpPr/>
           <p:nvPr/>
         </p:nvSpPr>
@@ -19515,7 +19173,7 @@
 </p:sld>
 </file>
 
-<file path=ppt/slides/slide18.xml><?xml version="1.0" encoding="utf-8"?>
+<file path=ppt/slides/slide17.xml><?xml version="1.0" encoding="utf-8"?>
 <p:sld xmlns:a="http://schemas.openxmlformats.org/drawingml/2006/main" xmlns:r="http://schemas.openxmlformats.org/officeDocument/2006/relationships" xmlns:p="http://schemas.openxmlformats.org/presentationml/2006/main">
   <p:cSld>
     <p:spTree>
@@ -19534,7 +19192,7 @@
       </p:grpSpPr>
       <p:sp>
         <p:nvSpPr>
-          <p:cNvPr id="210" name="Google Shape;210;p31"/>
+          <p:cNvPr id="210" name="Google Shape;210;p30"/>
           <p:cNvSpPr txBox="1"/>
           <p:nvPr/>
         </p:nvSpPr>
@@ -19648,7 +19306,7 @@
       </p:sp>
       <p:sp>
         <p:nvSpPr>
-          <p:cNvPr id="211" name="Google Shape;211;p31"/>
+          <p:cNvPr id="211" name="Google Shape;211;p30"/>
           <p:cNvSpPr txBox="1"/>
           <p:nvPr/>
         </p:nvSpPr>
@@ -19714,7 +19372,7 @@
       </p:sp>
       <p:sp>
         <p:nvSpPr>
-          <p:cNvPr id="212" name="Google Shape;212;p31"/>
+          <p:cNvPr id="212" name="Google Shape;212;p30"/>
           <p:cNvSpPr txBox="1"/>
           <p:nvPr/>
         </p:nvSpPr>
@@ -19805,7 +19463,7 @@
       </p:sp>
       <p:sp>
         <p:nvSpPr>
-          <p:cNvPr id="213" name="Google Shape;213;p31"/>
+          <p:cNvPr id="213" name="Google Shape;213;p30"/>
           <p:cNvSpPr txBox="1"/>
           <p:nvPr/>
         </p:nvSpPr>
@@ -19879,7 +19537,7 @@
       </p:sp>
       <p:sp>
         <p:nvSpPr>
-          <p:cNvPr id="214" name="Google Shape;214;p31"/>
+          <p:cNvPr id="214" name="Google Shape;214;p30"/>
           <p:cNvSpPr/>
           <p:nvPr/>
         </p:nvSpPr>
@@ -19925,7 +19583,7 @@
       </p:sp>
       <p:sp>
         <p:nvSpPr>
-          <p:cNvPr id="215" name="Google Shape;215;p31"/>
+          <p:cNvPr id="215" name="Google Shape;215;p30"/>
           <p:cNvSpPr/>
           <p:nvPr/>
         </p:nvSpPr>
@@ -19971,7 +19629,7 @@
       </p:sp>
       <p:sp>
         <p:nvSpPr>
-          <p:cNvPr id="216" name="Google Shape;216;p31"/>
+          <p:cNvPr id="216" name="Google Shape;216;p30"/>
           <p:cNvSpPr txBox="1"/>
           <p:nvPr/>
         </p:nvSpPr>
@@ -20132,7 +19790,7 @@
       </p:sp>
       <p:sp>
         <p:nvSpPr>
-          <p:cNvPr id="217" name="Google Shape;217;p31"/>
+          <p:cNvPr id="217" name="Google Shape;217;p30"/>
           <p:cNvSpPr/>
           <p:nvPr/>
         </p:nvSpPr>
@@ -20178,7 +19836,7 @@
       </p:sp>
       <p:sp>
         <p:nvSpPr>
-          <p:cNvPr id="218" name="Google Shape;218;p31"/>
+          <p:cNvPr id="218" name="Google Shape;218;p30"/>
           <p:cNvSpPr/>
           <p:nvPr/>
         </p:nvSpPr>
@@ -20224,7 +19882,7 @@
       </p:sp>
       <p:sp>
         <p:nvSpPr>
-          <p:cNvPr id="219" name="Google Shape;219;p31"/>
+          <p:cNvPr id="219" name="Google Shape;219;p30"/>
           <p:cNvSpPr txBox="1"/>
           <p:nvPr/>
         </p:nvSpPr>
@@ -20299,7 +19957,7 @@
       </p:sp>
       <p:sp>
         <p:nvSpPr>
-          <p:cNvPr id="220" name="Google Shape;220;p31"/>
+          <p:cNvPr id="220" name="Google Shape;220;p30"/>
           <p:cNvSpPr/>
           <p:nvPr/>
         </p:nvSpPr>
@@ -20345,7 +20003,7 @@
       </p:sp>
       <p:sp>
         <p:nvSpPr>
-          <p:cNvPr id="221" name="Google Shape;221;p31"/>
+          <p:cNvPr id="221" name="Google Shape;221;p30"/>
           <p:cNvSpPr/>
           <p:nvPr/>
         </p:nvSpPr>
@@ -20391,7 +20049,7 @@
       </p:sp>
       <p:sp>
         <p:nvSpPr>
-          <p:cNvPr id="222" name="Google Shape;222;p31"/>
+          <p:cNvPr id="222" name="Google Shape;222;p30"/>
           <p:cNvSpPr/>
           <p:nvPr/>
         </p:nvSpPr>
@@ -20437,7 +20095,7 @@
       </p:sp>
       <p:sp>
         <p:nvSpPr>
-          <p:cNvPr id="223" name="Google Shape;223;p31"/>
+          <p:cNvPr id="223" name="Google Shape;223;p30"/>
           <p:cNvSpPr txBox="1"/>
           <p:nvPr/>
         </p:nvSpPr>
@@ -20512,7 +20170,7 @@
       </p:sp>
       <p:sp>
         <p:nvSpPr>
-          <p:cNvPr id="224" name="Google Shape;224;p31"/>
+          <p:cNvPr id="224" name="Google Shape;224;p30"/>
           <p:cNvSpPr txBox="1"/>
           <p:nvPr/>
         </p:nvSpPr>
@@ -20587,7 +20245,7 @@
       </p:sp>
       <p:sp>
         <p:nvSpPr>
-          <p:cNvPr id="225" name="Google Shape;225;p31"/>
+          <p:cNvPr id="225" name="Google Shape;225;p30"/>
           <p:cNvSpPr txBox="1"/>
           <p:nvPr/>
         </p:nvSpPr>
@@ -20662,7 +20320,7 @@
       </p:sp>
       <p:sp>
         <p:nvSpPr>
-          <p:cNvPr id="226" name="Google Shape;226;p31"/>
+          <p:cNvPr id="226" name="Google Shape;226;p30"/>
           <p:cNvSpPr/>
           <p:nvPr/>
         </p:nvSpPr>
@@ -20708,7 +20366,7 @@
       </p:sp>
       <p:sp>
         <p:nvSpPr>
-          <p:cNvPr id="227" name="Google Shape;227;p31"/>
+          <p:cNvPr id="227" name="Google Shape;227;p30"/>
           <p:cNvSpPr txBox="1"/>
           <p:nvPr/>
         </p:nvSpPr>
@@ -20783,7 +20441,7 @@
       </p:sp>
       <p:sp>
         <p:nvSpPr>
-          <p:cNvPr id="228" name="Google Shape;228;p31"/>
+          <p:cNvPr id="228" name="Google Shape;228;p30"/>
           <p:cNvSpPr txBox="1"/>
           <p:nvPr/>
         </p:nvSpPr>
@@ -20854,7 +20512,7 @@
       </p:sp>
       <p:sp>
         <p:nvSpPr>
-          <p:cNvPr id="229" name="Google Shape;229;p31"/>
+          <p:cNvPr id="229" name="Google Shape;229;p30"/>
           <p:cNvSpPr txBox="1"/>
           <p:nvPr/>
         </p:nvSpPr>
@@ -20925,7 +20583,7 @@
       </p:sp>
       <p:pic>
         <p:nvPicPr>
-          <p:cNvPr id="230" name="Google Shape;230;p31"/>
+          <p:cNvPr id="230" name="Google Shape;230;p30"/>
           <p:cNvPicPr preferRelativeResize="0"/>
           <p:nvPr/>
         </p:nvPicPr>
@@ -20964,7 +20622,7 @@
       </p:pic>
       <p:pic>
         <p:nvPicPr>
-          <p:cNvPr id="231" name="Google Shape;231;p31"/>
+          <p:cNvPr id="231" name="Google Shape;231;p30"/>
           <p:cNvPicPr preferRelativeResize="0"/>
           <p:nvPr/>
         </p:nvPicPr>
@@ -21003,7 +20661,7 @@
       </p:pic>
       <p:sp>
         <p:nvSpPr>
-          <p:cNvPr id="232" name="Google Shape;232;p31"/>
+          <p:cNvPr id="232" name="Google Shape;232;p30"/>
           <p:cNvSpPr/>
           <p:nvPr/>
         </p:nvSpPr>
@@ -21049,7 +20707,7 @@
       </p:sp>
       <p:sp>
         <p:nvSpPr>
-          <p:cNvPr id="233" name="Google Shape;233;p31"/>
+          <p:cNvPr id="233" name="Google Shape;233;p30"/>
           <p:cNvSpPr/>
           <p:nvPr/>
         </p:nvSpPr>
@@ -21101,7 +20759,7 @@
 </p:sld>
 </file>
 
-<file path=ppt/slides/slide19.xml><?xml version="1.0" encoding="utf-8"?>
+<file path=ppt/slides/slide18.xml><?xml version="1.0" encoding="utf-8"?>
 <p:sld xmlns:a="http://schemas.openxmlformats.org/drawingml/2006/main" xmlns:r="http://schemas.openxmlformats.org/officeDocument/2006/relationships" xmlns:p="http://schemas.openxmlformats.org/presentationml/2006/main">
   <p:cSld>
     <p:spTree>
@@ -21120,7 +20778,7 @@
       </p:grpSpPr>
       <p:pic>
         <p:nvPicPr>
-          <p:cNvPr id="238" name="Google Shape;238;p32"/>
+          <p:cNvPr id="238" name="Google Shape;238;p31"/>
           <p:cNvPicPr preferRelativeResize="0"/>
           <p:nvPr/>
         </p:nvPicPr>
@@ -21153,7 +20811,7 @@
       </p:pic>
       <p:sp>
         <p:nvSpPr>
-          <p:cNvPr id="239" name="Google Shape;239;p32"/>
+          <p:cNvPr id="239" name="Google Shape;239;p31"/>
           <p:cNvSpPr txBox="1"/>
           <p:nvPr/>
         </p:nvSpPr>
@@ -21219,7 +20877,7 @@
       </p:sp>
       <p:sp>
         <p:nvSpPr>
-          <p:cNvPr id="240" name="Google Shape;240;p32"/>
+          <p:cNvPr id="240" name="Google Shape;240;p31"/>
           <p:cNvSpPr txBox="1"/>
           <p:nvPr/>
         </p:nvSpPr>
@@ -21310,7 +20968,7 @@
       </p:sp>
       <p:cxnSp>
         <p:nvCxnSpPr>
-          <p:cNvPr id="241" name="Google Shape;241;p32"/>
+          <p:cNvPr id="241" name="Google Shape;241;p31"/>
           <p:cNvCxnSpPr/>
           <p:nvPr/>
         </p:nvCxnSpPr>
@@ -21336,7 +20994,7 @@
       </p:cxnSp>
       <p:sp>
         <p:nvSpPr>
-          <p:cNvPr id="242" name="Google Shape;242;p32"/>
+          <p:cNvPr id="242" name="Google Shape;242;p31"/>
           <p:cNvSpPr txBox="1"/>
           <p:nvPr/>
         </p:nvSpPr>
@@ -21455,6 +21113,731 @@
             <a:endParaRPr sz="1300">
               <a:solidFill>
                 <a:schemeClr val="dk1"/>
+              </a:solidFill>
+              <a:latin typeface="Calibri"/>
+              <a:ea typeface="Calibri"/>
+              <a:cs typeface="Calibri"/>
+              <a:sym typeface="Calibri"/>
+            </a:endParaRPr>
+          </a:p>
+        </p:txBody>
+      </p:sp>
+    </p:spTree>
+  </p:cSld>
+  <p:clrMapOvr>
+    <a:masterClrMapping/>
+  </p:clrMapOvr>
+</p:sld>
+</file>
+
+<file path=ppt/slides/slide19.xml><?xml version="1.0" encoding="utf-8"?>
+<p:sld xmlns:a="http://schemas.openxmlformats.org/drawingml/2006/main" xmlns:r="http://schemas.openxmlformats.org/officeDocument/2006/relationships" xmlns:p="http://schemas.openxmlformats.org/presentationml/2006/main">
+  <p:cSld>
+    <p:spTree>
+      <p:nvGrpSpPr>
+        <p:cNvPr id="1" name="Shape 246"/>
+        <p:cNvGrpSpPr/>
+        <p:nvPr/>
+      </p:nvGrpSpPr>
+      <p:grpSpPr>
+        <a:xfrm>
+          <a:off x="0" y="0"/>
+          <a:ext cx="0" cy="0"/>
+          <a:chOff x="0" y="0"/>
+          <a:chExt cx="0" cy="0"/>
+        </a:xfrm>
+      </p:grpSpPr>
+      <p:pic>
+        <p:nvPicPr>
+          <p:cNvPr id="247" name="Google Shape;247;p32"/>
+          <p:cNvPicPr preferRelativeResize="0"/>
+          <p:nvPr/>
+        </p:nvPicPr>
+        <p:blipFill rotWithShape="1">
+          <a:blip r:embed="rId3">
+            <a:alphaModFix/>
+          </a:blip>
+          <a:srcRect/>
+          <a:stretch/>
+        </p:blipFill>
+        <p:spPr>
+          <a:xfrm>
+            <a:off x="605238" y="1203525"/>
+            <a:ext cx="2094075" cy="2094075"/>
+          </a:xfrm>
+          <a:prstGeom prst="rect">
+            <a:avLst/>
+          </a:prstGeom>
+          <a:noFill/>
+          <a:ln>
+            <a:noFill/>
+          </a:ln>
+        </p:spPr>
+      </p:pic>
+      <p:sp>
+        <p:nvSpPr>
+          <p:cNvPr id="248" name="Google Shape;248;p32"/>
+          <p:cNvSpPr txBox="1"/>
+          <p:nvPr/>
+        </p:nvSpPr>
+        <p:spPr>
+          <a:xfrm>
+            <a:off x="-25625" y="-14775"/>
+            <a:ext cx="3355800" cy="569400"/>
+          </a:xfrm>
+          <a:prstGeom prst="rect">
+            <a:avLst/>
+          </a:prstGeom>
+          <a:noFill/>
+          <a:ln>
+            <a:noFill/>
+          </a:ln>
+        </p:spPr>
+        <p:txBody>
+          <a:bodyPr spcFirstLastPara="1" wrap="square" lIns="91425" tIns="91425" rIns="91425" bIns="91425" anchor="t" anchorCtr="0">
+            <a:spAutoFit/>
+          </a:bodyPr>
+          <a:lstStyle/>
+          <a:p>
+            <a:pPr marL="0" marR="0" lvl="0" indent="0" algn="l" rtl="0">
+              <a:lnSpc>
+                <a:spcPct val="100000"/>
+              </a:lnSpc>
+              <a:spcBef>
+                <a:spcPts val="0"/>
+              </a:spcBef>
+              <a:spcAft>
+                <a:spcPts val="0"/>
+              </a:spcAft>
+              <a:buClr>
+                <a:srgbClr val="000000"/>
+              </a:buClr>
+              <a:buSzPts val="2500"/>
+              <a:buFont typeface="Arial"/>
+              <a:buNone/>
+            </a:pPr>
+            <a:r>
+              <a:rPr lang="en" sz="2500" b="1" i="0" u="none" strike="noStrike" cap="none">
+                <a:solidFill>
+                  <a:srgbClr val="000000"/>
+                </a:solidFill>
+                <a:latin typeface="Calibri"/>
+                <a:ea typeface="Calibri"/>
+                <a:cs typeface="Calibri"/>
+                <a:sym typeface="Calibri"/>
+              </a:rPr>
+              <a:t>About the Speaker</a:t>
+            </a:r>
+            <a:endParaRPr sz="2500" b="1" i="0" u="none" strike="noStrike" cap="none">
+              <a:solidFill>
+                <a:srgbClr val="000000"/>
+              </a:solidFill>
+              <a:latin typeface="Calibri"/>
+              <a:ea typeface="Calibri"/>
+              <a:cs typeface="Calibri"/>
+              <a:sym typeface="Calibri"/>
+            </a:endParaRPr>
+          </a:p>
+        </p:txBody>
+      </p:sp>
+      <p:sp>
+        <p:nvSpPr>
+          <p:cNvPr id="249" name="Google Shape;249;p32"/>
+          <p:cNvSpPr txBox="1"/>
+          <p:nvPr/>
+        </p:nvSpPr>
+        <p:spPr>
+          <a:xfrm>
+            <a:off x="3330175" y="878750"/>
+            <a:ext cx="5621700" cy="3309300"/>
+          </a:xfrm>
+          <a:prstGeom prst="rect">
+            <a:avLst/>
+          </a:prstGeom>
+          <a:noFill/>
+          <a:ln>
+            <a:noFill/>
+          </a:ln>
+        </p:spPr>
+        <p:txBody>
+          <a:bodyPr spcFirstLastPara="1" wrap="square" lIns="91425" tIns="91425" rIns="91425" bIns="91425" anchor="t" anchorCtr="0">
+            <a:spAutoFit/>
+          </a:bodyPr>
+          <a:lstStyle/>
+          <a:p>
+            <a:pPr marL="0" marR="0" lvl="0" indent="0" algn="l" rtl="0">
+              <a:lnSpc>
+                <a:spcPct val="100000"/>
+              </a:lnSpc>
+              <a:spcBef>
+                <a:spcPts val="0"/>
+              </a:spcBef>
+              <a:spcAft>
+                <a:spcPts val="0"/>
+              </a:spcAft>
+              <a:buClr>
+                <a:schemeClr val="dk1"/>
+              </a:buClr>
+              <a:buSzPts val="1100"/>
+              <a:buFont typeface="Arial"/>
+              <a:buNone/>
+            </a:pPr>
+            <a:r>
+              <a:rPr lang="en" sz="2500" b="1" i="0" u="none" strike="noStrike" cap="none">
+                <a:solidFill>
+                  <a:srgbClr val="000000"/>
+                </a:solidFill>
+                <a:latin typeface="Calibri"/>
+                <a:ea typeface="Calibri"/>
+                <a:cs typeface="Calibri"/>
+                <a:sym typeface="Calibri"/>
+              </a:rPr>
+              <a:t>Lev Selector, Ph.D.</a:t>
+            </a:r>
+            <a:endParaRPr sz="2500" b="1" i="0" u="none" strike="noStrike" cap="none">
+              <a:solidFill>
+                <a:srgbClr val="000000"/>
+              </a:solidFill>
+              <a:latin typeface="Calibri"/>
+              <a:ea typeface="Calibri"/>
+              <a:cs typeface="Calibri"/>
+              <a:sym typeface="Calibri"/>
+            </a:endParaRPr>
+          </a:p>
+          <a:p>
+            <a:pPr marL="0" marR="0" lvl="0" indent="0" algn="l" rtl="0">
+              <a:lnSpc>
+                <a:spcPct val="100000"/>
+              </a:lnSpc>
+              <a:spcBef>
+                <a:spcPts val="0"/>
+              </a:spcBef>
+              <a:spcAft>
+                <a:spcPts val="0"/>
+              </a:spcAft>
+              <a:buClr>
+                <a:schemeClr val="dk1"/>
+              </a:buClr>
+              <a:buSzPts val="1100"/>
+              <a:buFont typeface="Arial"/>
+              <a:buNone/>
+            </a:pPr>
+            <a:endParaRPr sz="1800" b="0" i="0" u="none" strike="noStrike" cap="none">
+              <a:solidFill>
+                <a:srgbClr val="000000"/>
+              </a:solidFill>
+              <a:latin typeface="Calibri"/>
+              <a:ea typeface="Calibri"/>
+              <a:cs typeface="Calibri"/>
+              <a:sym typeface="Calibri"/>
+            </a:endParaRPr>
+          </a:p>
+          <a:p>
+            <a:pPr marL="457200" marR="0" lvl="0" indent="-330200" algn="l" rtl="0">
+              <a:lnSpc>
+                <a:spcPct val="100000"/>
+              </a:lnSpc>
+              <a:spcBef>
+                <a:spcPts val="0"/>
+              </a:spcBef>
+              <a:spcAft>
+                <a:spcPts val="0"/>
+              </a:spcAft>
+              <a:buClr>
+                <a:srgbClr val="000000"/>
+              </a:buClr>
+              <a:buSzPts val="1600"/>
+              <a:buFont typeface="Calibri"/>
+              <a:buChar char="●"/>
+            </a:pPr>
+            <a:r>
+              <a:rPr lang="en" sz="1600" b="0" i="0" u="none" strike="noStrike" cap="none">
+                <a:solidFill>
+                  <a:schemeClr val="dk1"/>
+                </a:solidFill>
+                <a:latin typeface="Calibri"/>
+                <a:ea typeface="Calibri"/>
+                <a:cs typeface="Calibri"/>
+                <a:sym typeface="Calibri"/>
+              </a:rPr>
+              <a:t>40+ years of software engineering, data science, and building teams (hiring, training, and managing)</a:t>
+            </a:r>
+            <a:endParaRPr sz="1600" b="0" i="0" u="none" strike="noStrike" cap="none">
+              <a:solidFill>
+                <a:schemeClr val="dk1"/>
+              </a:solidFill>
+              <a:latin typeface="Calibri"/>
+              <a:ea typeface="Calibri"/>
+              <a:cs typeface="Calibri"/>
+              <a:sym typeface="Calibri"/>
+            </a:endParaRPr>
+          </a:p>
+          <a:p>
+            <a:pPr marL="457200" marR="0" lvl="0" indent="-330200" algn="l" rtl="0">
+              <a:lnSpc>
+                <a:spcPct val="100000"/>
+              </a:lnSpc>
+              <a:spcBef>
+                <a:spcPts val="0"/>
+              </a:spcBef>
+              <a:spcAft>
+                <a:spcPts val="0"/>
+              </a:spcAft>
+              <a:buClr>
+                <a:srgbClr val="000000"/>
+              </a:buClr>
+              <a:buSzPts val="1600"/>
+              <a:buFont typeface="Calibri"/>
+              <a:buChar char="●"/>
+            </a:pPr>
+            <a:r>
+              <a:rPr lang="en" sz="1600" b="0" i="0" u="none" strike="noStrike" cap="none">
+                <a:solidFill>
+                  <a:schemeClr val="dk1"/>
+                </a:solidFill>
+                <a:latin typeface="Calibri"/>
+                <a:ea typeface="Calibri"/>
+                <a:cs typeface="Calibri"/>
+                <a:sym typeface="Calibri"/>
+              </a:rPr>
+              <a:t>Ph.D. in mathematical modeling and computer simulations</a:t>
+            </a:r>
+            <a:endParaRPr sz="1600" b="0" i="0" u="none" strike="noStrike" cap="none">
+              <a:solidFill>
+                <a:srgbClr val="000000"/>
+              </a:solidFill>
+              <a:latin typeface="Calibri"/>
+              <a:ea typeface="Calibri"/>
+              <a:cs typeface="Calibri"/>
+              <a:sym typeface="Calibri"/>
+            </a:endParaRPr>
+          </a:p>
+          <a:p>
+            <a:pPr marL="0" marR="0" lvl="0" indent="0" algn="l" rtl="0">
+              <a:lnSpc>
+                <a:spcPct val="100000"/>
+              </a:lnSpc>
+              <a:spcBef>
+                <a:spcPts val="0"/>
+              </a:spcBef>
+              <a:spcAft>
+                <a:spcPts val="0"/>
+              </a:spcAft>
+              <a:buClr>
+                <a:schemeClr val="dk1"/>
+              </a:buClr>
+              <a:buSzPts val="1100"/>
+              <a:buFont typeface="Arial"/>
+              <a:buNone/>
+            </a:pPr>
+            <a:endParaRPr sz="1600" b="0" i="0" u="none" strike="noStrike" cap="none">
+              <a:solidFill>
+                <a:srgbClr val="000000"/>
+              </a:solidFill>
+              <a:latin typeface="Calibri"/>
+              <a:ea typeface="Calibri"/>
+              <a:cs typeface="Calibri"/>
+              <a:sym typeface="Calibri"/>
+            </a:endParaRPr>
+          </a:p>
+          <a:p>
+            <a:pPr marL="0" marR="0" lvl="0" indent="0" algn="l" rtl="0">
+              <a:lnSpc>
+                <a:spcPct val="100000"/>
+              </a:lnSpc>
+              <a:spcBef>
+                <a:spcPts val="0"/>
+              </a:spcBef>
+              <a:spcAft>
+                <a:spcPts val="0"/>
+              </a:spcAft>
+              <a:buClr>
+                <a:srgbClr val="000000"/>
+              </a:buClr>
+              <a:buSzPts val="1600"/>
+              <a:buFont typeface="Arial"/>
+              <a:buNone/>
+            </a:pPr>
+            <a:r>
+              <a:rPr lang="en" sz="1600" b="0" i="0" u="none" strike="noStrike" cap="none">
+                <a:solidFill>
+                  <a:srgbClr val="000000"/>
+                </a:solidFill>
+                <a:latin typeface="Calibri"/>
+                <a:ea typeface="Calibri"/>
+                <a:cs typeface="Calibri"/>
+                <a:sym typeface="Calibri"/>
+              </a:rPr>
+              <a:t>Interests: </a:t>
+            </a:r>
+            <a:endParaRPr sz="1600" b="0" i="0" u="none" strike="noStrike" cap="none">
+              <a:solidFill>
+                <a:srgbClr val="000000"/>
+              </a:solidFill>
+              <a:latin typeface="Calibri"/>
+              <a:ea typeface="Calibri"/>
+              <a:cs typeface="Calibri"/>
+              <a:sym typeface="Calibri"/>
+            </a:endParaRPr>
+          </a:p>
+          <a:p>
+            <a:pPr marL="457200" marR="0" lvl="0" indent="-330200" algn="l" rtl="0">
+              <a:lnSpc>
+                <a:spcPct val="100000"/>
+              </a:lnSpc>
+              <a:spcBef>
+                <a:spcPts val="0"/>
+              </a:spcBef>
+              <a:spcAft>
+                <a:spcPts val="0"/>
+              </a:spcAft>
+              <a:buClr>
+                <a:srgbClr val="000000"/>
+              </a:buClr>
+              <a:buSzPts val="1600"/>
+              <a:buFont typeface="Calibri"/>
+              <a:buChar char="●"/>
+            </a:pPr>
+            <a:r>
+              <a:rPr lang="en" sz="1600" b="0" i="0" u="none" strike="noStrike" cap="none">
+                <a:solidFill>
+                  <a:schemeClr val="dk1"/>
+                </a:solidFill>
+                <a:latin typeface="Calibri"/>
+                <a:ea typeface="Calibri"/>
+                <a:cs typeface="Calibri"/>
+                <a:sym typeface="Calibri"/>
+              </a:rPr>
+              <a:t>Generative AI, Using LLM with your data</a:t>
+            </a:r>
+            <a:endParaRPr sz="1600" b="0" i="0" u="none" strike="noStrike" cap="none">
+              <a:solidFill>
+                <a:schemeClr val="dk1"/>
+              </a:solidFill>
+              <a:latin typeface="Calibri"/>
+              <a:ea typeface="Calibri"/>
+              <a:cs typeface="Calibri"/>
+              <a:sym typeface="Calibri"/>
+            </a:endParaRPr>
+          </a:p>
+          <a:p>
+            <a:pPr marL="457200" marR="0" lvl="0" indent="-330200" algn="l" rtl="0">
+              <a:lnSpc>
+                <a:spcPct val="100000"/>
+              </a:lnSpc>
+              <a:spcBef>
+                <a:spcPts val="0"/>
+              </a:spcBef>
+              <a:spcAft>
+                <a:spcPts val="0"/>
+              </a:spcAft>
+              <a:buClr>
+                <a:schemeClr val="dk1"/>
+              </a:buClr>
+              <a:buSzPts val="1600"/>
+              <a:buFont typeface="Calibri"/>
+              <a:buChar char="●"/>
+            </a:pPr>
+            <a:r>
+              <a:rPr lang="en" sz="1600" b="0" i="0" u="none" strike="noStrike" cap="none">
+                <a:solidFill>
+                  <a:schemeClr val="dk1"/>
+                </a:solidFill>
+                <a:latin typeface="Calibri"/>
+                <a:ea typeface="Calibri"/>
+                <a:cs typeface="Calibri"/>
+                <a:sym typeface="Calibri"/>
+              </a:rPr>
+              <a:t>Local AI for Local Private Data</a:t>
+            </a:r>
+            <a:endParaRPr sz="1600" b="0" i="0" u="none" strike="noStrike" cap="none">
+              <a:solidFill>
+                <a:schemeClr val="dk1"/>
+              </a:solidFill>
+              <a:latin typeface="Calibri"/>
+              <a:ea typeface="Calibri"/>
+              <a:cs typeface="Calibri"/>
+              <a:sym typeface="Calibri"/>
+            </a:endParaRPr>
+          </a:p>
+          <a:p>
+            <a:pPr marL="457200" marR="0" lvl="0" indent="-330200" algn="l" rtl="0">
+              <a:lnSpc>
+                <a:spcPct val="100000"/>
+              </a:lnSpc>
+              <a:spcBef>
+                <a:spcPts val="0"/>
+              </a:spcBef>
+              <a:spcAft>
+                <a:spcPts val="0"/>
+              </a:spcAft>
+              <a:buClr>
+                <a:srgbClr val="000000"/>
+              </a:buClr>
+              <a:buSzPts val="1600"/>
+              <a:buFont typeface="Calibri"/>
+              <a:buChar char="●"/>
+            </a:pPr>
+            <a:r>
+              <a:rPr lang="en" sz="1600" b="0" i="0" u="none" strike="noStrike" cap="none">
+                <a:solidFill>
+                  <a:srgbClr val="000000"/>
+                </a:solidFill>
+                <a:latin typeface="Calibri"/>
+                <a:ea typeface="Calibri"/>
+                <a:cs typeface="Calibri"/>
+                <a:sym typeface="Calibri"/>
+              </a:rPr>
+              <a:t>Cloud architecture, fin-tech, application security</a:t>
+            </a:r>
+            <a:endParaRPr sz="1600" b="0" i="0" u="none" strike="noStrike" cap="none">
+              <a:solidFill>
+                <a:srgbClr val="000000"/>
+              </a:solidFill>
+              <a:latin typeface="Calibri"/>
+              <a:ea typeface="Calibri"/>
+              <a:cs typeface="Calibri"/>
+              <a:sym typeface="Calibri"/>
+            </a:endParaRPr>
+          </a:p>
+          <a:p>
+            <a:pPr marL="0" marR="0" lvl="0" indent="0" algn="l" rtl="0">
+              <a:lnSpc>
+                <a:spcPct val="100000"/>
+              </a:lnSpc>
+              <a:spcBef>
+                <a:spcPts val="0"/>
+              </a:spcBef>
+              <a:spcAft>
+                <a:spcPts val="0"/>
+              </a:spcAft>
+              <a:buClr>
+                <a:srgbClr val="000000"/>
+              </a:buClr>
+              <a:buSzPts val="1600"/>
+              <a:buFont typeface="Arial"/>
+              <a:buNone/>
+            </a:pPr>
+            <a:endParaRPr sz="1600" b="0" i="0" u="none" strike="noStrike" cap="none">
+              <a:solidFill>
+                <a:srgbClr val="000000"/>
+              </a:solidFill>
+              <a:latin typeface="Calibri"/>
+              <a:ea typeface="Calibri"/>
+              <a:cs typeface="Calibri"/>
+              <a:sym typeface="Calibri"/>
+            </a:endParaRPr>
+          </a:p>
+          <a:p>
+            <a:pPr marL="0" marR="0" lvl="0" indent="0" algn="l" rtl="0">
+              <a:lnSpc>
+                <a:spcPct val="100000"/>
+              </a:lnSpc>
+              <a:spcBef>
+                <a:spcPts val="0"/>
+              </a:spcBef>
+              <a:spcAft>
+                <a:spcPts val="0"/>
+              </a:spcAft>
+              <a:buClr>
+                <a:srgbClr val="000000"/>
+              </a:buClr>
+              <a:buSzPts val="1600"/>
+              <a:buFont typeface="Arial"/>
+              <a:buNone/>
+            </a:pPr>
+            <a:r>
+              <a:rPr lang="en" sz="1600" b="0" i="0" u="none" strike="noStrike" cap="none">
+                <a:solidFill>
+                  <a:srgbClr val="000000"/>
+                </a:solidFill>
+                <a:latin typeface="Calibri"/>
+                <a:ea typeface="Calibri"/>
+                <a:cs typeface="Calibri"/>
+                <a:sym typeface="Calibri"/>
+              </a:rPr>
+              <a:t>Find/connect: Linkedin, GitHub, YouTube, Google</a:t>
+            </a:r>
+            <a:endParaRPr sz="1600" b="0" i="0" u="none" strike="noStrike" cap="none">
+              <a:solidFill>
+                <a:srgbClr val="000000"/>
+              </a:solidFill>
+              <a:latin typeface="Calibri"/>
+              <a:ea typeface="Calibri"/>
+              <a:cs typeface="Calibri"/>
+              <a:sym typeface="Calibri"/>
+            </a:endParaRPr>
+          </a:p>
+        </p:txBody>
+      </p:sp>
+      <p:pic>
+        <p:nvPicPr>
+          <p:cNvPr id="250" name="Google Shape;250;p32"/>
+          <p:cNvPicPr preferRelativeResize="0"/>
+          <p:nvPr/>
+        </p:nvPicPr>
+        <p:blipFill rotWithShape="1">
+          <a:blip r:embed="rId4" cstate="email">
+            <a:alphaModFix/>
+            <a:extLst>
+              <a:ext uri="{28A0092B-C50C-407E-A947-70E740481C1C}">
+                <a14:useLocalDpi xmlns:a14="http://schemas.microsoft.com/office/drawing/2010/main"/>
+              </a:ext>
+            </a:extLst>
+          </a:blip>
+          <a:srcRect/>
+          <a:stretch/>
+        </p:blipFill>
+        <p:spPr>
+          <a:xfrm>
+            <a:off x="1010941" y="3664175"/>
+            <a:ext cx="1144600" cy="415875"/>
+          </a:xfrm>
+          <a:prstGeom prst="rect">
+            <a:avLst/>
+          </a:prstGeom>
+          <a:noFill/>
+          <a:ln>
+            <a:noFill/>
+          </a:ln>
+        </p:spPr>
+      </p:pic>
+      <p:sp>
+        <p:nvSpPr>
+          <p:cNvPr id="251" name="Google Shape;251;p32"/>
+          <p:cNvSpPr txBox="1"/>
+          <p:nvPr/>
+        </p:nvSpPr>
+        <p:spPr>
+          <a:xfrm>
+            <a:off x="912377" y="4005903"/>
+            <a:ext cx="1391400" cy="431100"/>
+          </a:xfrm>
+          <a:prstGeom prst="rect">
+            <a:avLst/>
+          </a:prstGeom>
+          <a:noFill/>
+          <a:ln>
+            <a:noFill/>
+          </a:ln>
+        </p:spPr>
+        <p:txBody>
+          <a:bodyPr spcFirstLastPara="1" wrap="square" lIns="91425" tIns="91425" rIns="91425" bIns="91425" anchor="t" anchorCtr="0">
+            <a:spAutoFit/>
+          </a:bodyPr>
+          <a:lstStyle/>
+          <a:p>
+            <a:pPr marL="0" marR="0" lvl="0" indent="0" algn="l" rtl="0">
+              <a:lnSpc>
+                <a:spcPct val="100000"/>
+              </a:lnSpc>
+              <a:spcBef>
+                <a:spcPts val="0"/>
+              </a:spcBef>
+              <a:spcAft>
+                <a:spcPts val="0"/>
+              </a:spcAft>
+              <a:buClr>
+                <a:srgbClr val="000000"/>
+              </a:buClr>
+              <a:buSzPts val="1600"/>
+              <a:buFont typeface="Arial"/>
+              <a:buNone/>
+            </a:pPr>
+            <a:r>
+              <a:rPr lang="en" sz="1600" b="0" i="0" u="sng" strike="noStrike" cap="none">
+                <a:solidFill>
+                  <a:schemeClr val="hlink"/>
+                </a:solidFill>
+                <a:latin typeface="Calibri"/>
+                <a:ea typeface="Calibri"/>
+                <a:cs typeface="Calibri"/>
+                <a:sym typeface="Calibri"/>
+                <a:hlinkClick r:id="rId5"/>
+              </a:rPr>
+              <a:t>https://eais.ai</a:t>
+            </a:r>
+            <a:r>
+              <a:rPr lang="en" sz="1600" b="0" i="0" u="none" strike="noStrike" cap="none">
+                <a:solidFill>
+                  <a:srgbClr val="000000"/>
+                </a:solidFill>
+                <a:latin typeface="Calibri"/>
+                <a:ea typeface="Calibri"/>
+                <a:cs typeface="Calibri"/>
+                <a:sym typeface="Calibri"/>
+              </a:rPr>
+              <a:t> </a:t>
+            </a:r>
+            <a:endParaRPr sz="1600" b="0" i="0" u="none" strike="noStrike" cap="none">
+              <a:solidFill>
+                <a:srgbClr val="000000"/>
+              </a:solidFill>
+              <a:latin typeface="Calibri"/>
+              <a:ea typeface="Calibri"/>
+              <a:cs typeface="Calibri"/>
+              <a:sym typeface="Calibri"/>
+            </a:endParaRPr>
+          </a:p>
+        </p:txBody>
+      </p:sp>
+      <p:sp>
+        <p:nvSpPr>
+          <p:cNvPr id="252" name="Google Shape;252;p32"/>
+          <p:cNvSpPr txBox="1"/>
+          <p:nvPr/>
+        </p:nvSpPr>
+        <p:spPr>
+          <a:xfrm>
+            <a:off x="536203" y="4360974"/>
+            <a:ext cx="2094075" cy="430857"/>
+          </a:xfrm>
+          <a:prstGeom prst="rect">
+            <a:avLst/>
+          </a:prstGeom>
+          <a:noFill/>
+          <a:ln>
+            <a:noFill/>
+          </a:ln>
+        </p:spPr>
+        <p:txBody>
+          <a:bodyPr spcFirstLastPara="1" wrap="square" lIns="91425" tIns="91425" rIns="91425" bIns="91425" anchor="t" anchorCtr="0">
+            <a:spAutoFit/>
+          </a:bodyPr>
+          <a:lstStyle/>
+          <a:p>
+            <a:pPr marL="0" marR="0" lvl="0" indent="0" algn="ctr" rtl="0">
+              <a:lnSpc>
+                <a:spcPct val="100000"/>
+              </a:lnSpc>
+              <a:spcBef>
+                <a:spcPts val="0"/>
+              </a:spcBef>
+              <a:spcAft>
+                <a:spcPts val="0"/>
+              </a:spcAft>
+              <a:buClr>
+                <a:schemeClr val="dk1"/>
+              </a:buClr>
+              <a:buSzPts val="1100"/>
+              <a:buFont typeface="Arial"/>
+              <a:buNone/>
+            </a:pPr>
+            <a:r>
+              <a:rPr lang="en" sz="1600" b="0" i="0" u="none" strike="noStrike" cap="none">
+                <a:solidFill>
+                  <a:srgbClr val="000000"/>
+                </a:solidFill>
+                <a:latin typeface="Calibri"/>
+                <a:ea typeface="Calibri"/>
+                <a:cs typeface="Calibri"/>
+                <a:sym typeface="Calibri"/>
+              </a:rPr>
+              <a:t>Enterprise AI Systems</a:t>
+            </a:r>
+            <a:endParaRPr sz="1600" b="0" i="0" u="none" strike="noStrike" cap="none">
+              <a:solidFill>
+                <a:srgbClr val="000000"/>
               </a:solidFill>
               <a:latin typeface="Calibri"/>
               <a:ea typeface="Calibri"/>
@@ -22239,731 +22622,6 @@
   <p:cSld>
     <p:spTree>
       <p:nvGrpSpPr>
-        <p:cNvPr id="1" name="Shape 246"/>
-        <p:cNvGrpSpPr/>
-        <p:nvPr/>
-      </p:nvGrpSpPr>
-      <p:grpSpPr>
-        <a:xfrm>
-          <a:off x="0" y="0"/>
-          <a:ext cx="0" cy="0"/>
-          <a:chOff x="0" y="0"/>
-          <a:chExt cx="0" cy="0"/>
-        </a:xfrm>
-      </p:grpSpPr>
-      <p:pic>
-        <p:nvPicPr>
-          <p:cNvPr id="247" name="Google Shape;247;p33"/>
-          <p:cNvPicPr preferRelativeResize="0"/>
-          <p:nvPr/>
-        </p:nvPicPr>
-        <p:blipFill rotWithShape="1">
-          <a:blip r:embed="rId3">
-            <a:alphaModFix/>
-          </a:blip>
-          <a:srcRect/>
-          <a:stretch/>
-        </p:blipFill>
-        <p:spPr>
-          <a:xfrm>
-            <a:off x="605238" y="1203525"/>
-            <a:ext cx="2094075" cy="2094075"/>
-          </a:xfrm>
-          <a:prstGeom prst="rect">
-            <a:avLst/>
-          </a:prstGeom>
-          <a:noFill/>
-          <a:ln>
-            <a:noFill/>
-          </a:ln>
-        </p:spPr>
-      </p:pic>
-      <p:sp>
-        <p:nvSpPr>
-          <p:cNvPr id="248" name="Google Shape;248;p33"/>
-          <p:cNvSpPr txBox="1"/>
-          <p:nvPr/>
-        </p:nvSpPr>
-        <p:spPr>
-          <a:xfrm>
-            <a:off x="-25625" y="-14775"/>
-            <a:ext cx="3355800" cy="569400"/>
-          </a:xfrm>
-          <a:prstGeom prst="rect">
-            <a:avLst/>
-          </a:prstGeom>
-          <a:noFill/>
-          <a:ln>
-            <a:noFill/>
-          </a:ln>
-        </p:spPr>
-        <p:txBody>
-          <a:bodyPr spcFirstLastPara="1" wrap="square" lIns="91425" tIns="91425" rIns="91425" bIns="91425" anchor="t" anchorCtr="0">
-            <a:spAutoFit/>
-          </a:bodyPr>
-          <a:lstStyle/>
-          <a:p>
-            <a:pPr marL="0" marR="0" lvl="0" indent="0" algn="l" rtl="0">
-              <a:lnSpc>
-                <a:spcPct val="100000"/>
-              </a:lnSpc>
-              <a:spcBef>
-                <a:spcPts val="0"/>
-              </a:spcBef>
-              <a:spcAft>
-                <a:spcPts val="0"/>
-              </a:spcAft>
-              <a:buClr>
-                <a:srgbClr val="000000"/>
-              </a:buClr>
-              <a:buSzPts val="2500"/>
-              <a:buFont typeface="Arial"/>
-              <a:buNone/>
-            </a:pPr>
-            <a:r>
-              <a:rPr lang="en" sz="2500" b="1" i="0" u="none" strike="noStrike" cap="none">
-                <a:solidFill>
-                  <a:srgbClr val="000000"/>
-                </a:solidFill>
-                <a:latin typeface="Calibri"/>
-                <a:ea typeface="Calibri"/>
-                <a:cs typeface="Calibri"/>
-                <a:sym typeface="Calibri"/>
-              </a:rPr>
-              <a:t>About the Speaker</a:t>
-            </a:r>
-            <a:endParaRPr sz="2500" b="1" i="0" u="none" strike="noStrike" cap="none">
-              <a:solidFill>
-                <a:srgbClr val="000000"/>
-              </a:solidFill>
-              <a:latin typeface="Calibri"/>
-              <a:ea typeface="Calibri"/>
-              <a:cs typeface="Calibri"/>
-              <a:sym typeface="Calibri"/>
-            </a:endParaRPr>
-          </a:p>
-        </p:txBody>
-      </p:sp>
-      <p:sp>
-        <p:nvSpPr>
-          <p:cNvPr id="249" name="Google Shape;249;p33"/>
-          <p:cNvSpPr txBox="1"/>
-          <p:nvPr/>
-        </p:nvSpPr>
-        <p:spPr>
-          <a:xfrm>
-            <a:off x="3330175" y="878750"/>
-            <a:ext cx="5621700" cy="3309300"/>
-          </a:xfrm>
-          <a:prstGeom prst="rect">
-            <a:avLst/>
-          </a:prstGeom>
-          <a:noFill/>
-          <a:ln>
-            <a:noFill/>
-          </a:ln>
-        </p:spPr>
-        <p:txBody>
-          <a:bodyPr spcFirstLastPara="1" wrap="square" lIns="91425" tIns="91425" rIns="91425" bIns="91425" anchor="t" anchorCtr="0">
-            <a:spAutoFit/>
-          </a:bodyPr>
-          <a:lstStyle/>
-          <a:p>
-            <a:pPr marL="0" marR="0" lvl="0" indent="0" algn="l" rtl="0">
-              <a:lnSpc>
-                <a:spcPct val="100000"/>
-              </a:lnSpc>
-              <a:spcBef>
-                <a:spcPts val="0"/>
-              </a:spcBef>
-              <a:spcAft>
-                <a:spcPts val="0"/>
-              </a:spcAft>
-              <a:buClr>
-                <a:schemeClr val="dk1"/>
-              </a:buClr>
-              <a:buSzPts val="1100"/>
-              <a:buFont typeface="Arial"/>
-              <a:buNone/>
-            </a:pPr>
-            <a:r>
-              <a:rPr lang="en" sz="2500" b="1" i="0" u="none" strike="noStrike" cap="none">
-                <a:solidFill>
-                  <a:srgbClr val="000000"/>
-                </a:solidFill>
-                <a:latin typeface="Calibri"/>
-                <a:ea typeface="Calibri"/>
-                <a:cs typeface="Calibri"/>
-                <a:sym typeface="Calibri"/>
-              </a:rPr>
-              <a:t>Lev Selector, Ph.D.</a:t>
-            </a:r>
-            <a:endParaRPr sz="2500" b="1" i="0" u="none" strike="noStrike" cap="none">
-              <a:solidFill>
-                <a:srgbClr val="000000"/>
-              </a:solidFill>
-              <a:latin typeface="Calibri"/>
-              <a:ea typeface="Calibri"/>
-              <a:cs typeface="Calibri"/>
-              <a:sym typeface="Calibri"/>
-            </a:endParaRPr>
-          </a:p>
-          <a:p>
-            <a:pPr marL="0" marR="0" lvl="0" indent="0" algn="l" rtl="0">
-              <a:lnSpc>
-                <a:spcPct val="100000"/>
-              </a:lnSpc>
-              <a:spcBef>
-                <a:spcPts val="0"/>
-              </a:spcBef>
-              <a:spcAft>
-                <a:spcPts val="0"/>
-              </a:spcAft>
-              <a:buClr>
-                <a:schemeClr val="dk1"/>
-              </a:buClr>
-              <a:buSzPts val="1100"/>
-              <a:buFont typeface="Arial"/>
-              <a:buNone/>
-            </a:pPr>
-            <a:endParaRPr sz="1800" b="0" i="0" u="none" strike="noStrike" cap="none">
-              <a:solidFill>
-                <a:srgbClr val="000000"/>
-              </a:solidFill>
-              <a:latin typeface="Calibri"/>
-              <a:ea typeface="Calibri"/>
-              <a:cs typeface="Calibri"/>
-              <a:sym typeface="Calibri"/>
-            </a:endParaRPr>
-          </a:p>
-          <a:p>
-            <a:pPr marL="457200" marR="0" lvl="0" indent="-330200" algn="l" rtl="0">
-              <a:lnSpc>
-                <a:spcPct val="100000"/>
-              </a:lnSpc>
-              <a:spcBef>
-                <a:spcPts val="0"/>
-              </a:spcBef>
-              <a:spcAft>
-                <a:spcPts val="0"/>
-              </a:spcAft>
-              <a:buClr>
-                <a:srgbClr val="000000"/>
-              </a:buClr>
-              <a:buSzPts val="1600"/>
-              <a:buFont typeface="Calibri"/>
-              <a:buChar char="●"/>
-            </a:pPr>
-            <a:r>
-              <a:rPr lang="en" sz="1600" b="0" i="0" u="none" strike="noStrike" cap="none">
-                <a:solidFill>
-                  <a:schemeClr val="dk1"/>
-                </a:solidFill>
-                <a:latin typeface="Calibri"/>
-                <a:ea typeface="Calibri"/>
-                <a:cs typeface="Calibri"/>
-                <a:sym typeface="Calibri"/>
-              </a:rPr>
-              <a:t>40+ years of software engineering, data science, and building teams (hiring, training, and managing)</a:t>
-            </a:r>
-            <a:endParaRPr sz="1600" b="0" i="0" u="none" strike="noStrike" cap="none">
-              <a:solidFill>
-                <a:schemeClr val="dk1"/>
-              </a:solidFill>
-              <a:latin typeface="Calibri"/>
-              <a:ea typeface="Calibri"/>
-              <a:cs typeface="Calibri"/>
-              <a:sym typeface="Calibri"/>
-            </a:endParaRPr>
-          </a:p>
-          <a:p>
-            <a:pPr marL="457200" marR="0" lvl="0" indent="-330200" algn="l" rtl="0">
-              <a:lnSpc>
-                <a:spcPct val="100000"/>
-              </a:lnSpc>
-              <a:spcBef>
-                <a:spcPts val="0"/>
-              </a:spcBef>
-              <a:spcAft>
-                <a:spcPts val="0"/>
-              </a:spcAft>
-              <a:buClr>
-                <a:srgbClr val="000000"/>
-              </a:buClr>
-              <a:buSzPts val="1600"/>
-              <a:buFont typeface="Calibri"/>
-              <a:buChar char="●"/>
-            </a:pPr>
-            <a:r>
-              <a:rPr lang="en" sz="1600" b="0" i="0" u="none" strike="noStrike" cap="none">
-                <a:solidFill>
-                  <a:schemeClr val="dk1"/>
-                </a:solidFill>
-                <a:latin typeface="Calibri"/>
-                <a:ea typeface="Calibri"/>
-                <a:cs typeface="Calibri"/>
-                <a:sym typeface="Calibri"/>
-              </a:rPr>
-              <a:t>Ph.D. in mathematical modeling and computer simulations</a:t>
-            </a:r>
-            <a:endParaRPr sz="1600" b="0" i="0" u="none" strike="noStrike" cap="none">
-              <a:solidFill>
-                <a:srgbClr val="000000"/>
-              </a:solidFill>
-              <a:latin typeface="Calibri"/>
-              <a:ea typeface="Calibri"/>
-              <a:cs typeface="Calibri"/>
-              <a:sym typeface="Calibri"/>
-            </a:endParaRPr>
-          </a:p>
-          <a:p>
-            <a:pPr marL="0" marR="0" lvl="0" indent="0" algn="l" rtl="0">
-              <a:lnSpc>
-                <a:spcPct val="100000"/>
-              </a:lnSpc>
-              <a:spcBef>
-                <a:spcPts val="0"/>
-              </a:spcBef>
-              <a:spcAft>
-                <a:spcPts val="0"/>
-              </a:spcAft>
-              <a:buClr>
-                <a:schemeClr val="dk1"/>
-              </a:buClr>
-              <a:buSzPts val="1100"/>
-              <a:buFont typeface="Arial"/>
-              <a:buNone/>
-            </a:pPr>
-            <a:endParaRPr sz="1600" b="0" i="0" u="none" strike="noStrike" cap="none">
-              <a:solidFill>
-                <a:srgbClr val="000000"/>
-              </a:solidFill>
-              <a:latin typeface="Calibri"/>
-              <a:ea typeface="Calibri"/>
-              <a:cs typeface="Calibri"/>
-              <a:sym typeface="Calibri"/>
-            </a:endParaRPr>
-          </a:p>
-          <a:p>
-            <a:pPr marL="0" marR="0" lvl="0" indent="0" algn="l" rtl="0">
-              <a:lnSpc>
-                <a:spcPct val="100000"/>
-              </a:lnSpc>
-              <a:spcBef>
-                <a:spcPts val="0"/>
-              </a:spcBef>
-              <a:spcAft>
-                <a:spcPts val="0"/>
-              </a:spcAft>
-              <a:buClr>
-                <a:srgbClr val="000000"/>
-              </a:buClr>
-              <a:buSzPts val="1600"/>
-              <a:buFont typeface="Arial"/>
-              <a:buNone/>
-            </a:pPr>
-            <a:r>
-              <a:rPr lang="en" sz="1600" b="0" i="0" u="none" strike="noStrike" cap="none">
-                <a:solidFill>
-                  <a:srgbClr val="000000"/>
-                </a:solidFill>
-                <a:latin typeface="Calibri"/>
-                <a:ea typeface="Calibri"/>
-                <a:cs typeface="Calibri"/>
-                <a:sym typeface="Calibri"/>
-              </a:rPr>
-              <a:t>Interests: </a:t>
-            </a:r>
-            <a:endParaRPr sz="1600" b="0" i="0" u="none" strike="noStrike" cap="none">
-              <a:solidFill>
-                <a:srgbClr val="000000"/>
-              </a:solidFill>
-              <a:latin typeface="Calibri"/>
-              <a:ea typeface="Calibri"/>
-              <a:cs typeface="Calibri"/>
-              <a:sym typeface="Calibri"/>
-            </a:endParaRPr>
-          </a:p>
-          <a:p>
-            <a:pPr marL="457200" marR="0" lvl="0" indent="-330200" algn="l" rtl="0">
-              <a:lnSpc>
-                <a:spcPct val="100000"/>
-              </a:lnSpc>
-              <a:spcBef>
-                <a:spcPts val="0"/>
-              </a:spcBef>
-              <a:spcAft>
-                <a:spcPts val="0"/>
-              </a:spcAft>
-              <a:buClr>
-                <a:srgbClr val="000000"/>
-              </a:buClr>
-              <a:buSzPts val="1600"/>
-              <a:buFont typeface="Calibri"/>
-              <a:buChar char="●"/>
-            </a:pPr>
-            <a:r>
-              <a:rPr lang="en" sz="1600" b="0" i="0" u="none" strike="noStrike" cap="none">
-                <a:solidFill>
-                  <a:schemeClr val="dk1"/>
-                </a:solidFill>
-                <a:latin typeface="Calibri"/>
-                <a:ea typeface="Calibri"/>
-                <a:cs typeface="Calibri"/>
-                <a:sym typeface="Calibri"/>
-              </a:rPr>
-              <a:t>Generative AI, Using LLM with your data</a:t>
-            </a:r>
-            <a:endParaRPr sz="1600" b="0" i="0" u="none" strike="noStrike" cap="none">
-              <a:solidFill>
-                <a:schemeClr val="dk1"/>
-              </a:solidFill>
-              <a:latin typeface="Calibri"/>
-              <a:ea typeface="Calibri"/>
-              <a:cs typeface="Calibri"/>
-              <a:sym typeface="Calibri"/>
-            </a:endParaRPr>
-          </a:p>
-          <a:p>
-            <a:pPr marL="457200" marR="0" lvl="0" indent="-330200" algn="l" rtl="0">
-              <a:lnSpc>
-                <a:spcPct val="100000"/>
-              </a:lnSpc>
-              <a:spcBef>
-                <a:spcPts val="0"/>
-              </a:spcBef>
-              <a:spcAft>
-                <a:spcPts val="0"/>
-              </a:spcAft>
-              <a:buClr>
-                <a:schemeClr val="dk1"/>
-              </a:buClr>
-              <a:buSzPts val="1600"/>
-              <a:buFont typeface="Calibri"/>
-              <a:buChar char="●"/>
-            </a:pPr>
-            <a:r>
-              <a:rPr lang="en" sz="1600" b="0" i="0" u="none" strike="noStrike" cap="none">
-                <a:solidFill>
-                  <a:schemeClr val="dk1"/>
-                </a:solidFill>
-                <a:latin typeface="Calibri"/>
-                <a:ea typeface="Calibri"/>
-                <a:cs typeface="Calibri"/>
-                <a:sym typeface="Calibri"/>
-              </a:rPr>
-              <a:t>Local AI for Local Private Data</a:t>
-            </a:r>
-            <a:endParaRPr sz="1600" b="0" i="0" u="none" strike="noStrike" cap="none">
-              <a:solidFill>
-                <a:schemeClr val="dk1"/>
-              </a:solidFill>
-              <a:latin typeface="Calibri"/>
-              <a:ea typeface="Calibri"/>
-              <a:cs typeface="Calibri"/>
-              <a:sym typeface="Calibri"/>
-            </a:endParaRPr>
-          </a:p>
-          <a:p>
-            <a:pPr marL="457200" marR="0" lvl="0" indent="-330200" algn="l" rtl="0">
-              <a:lnSpc>
-                <a:spcPct val="100000"/>
-              </a:lnSpc>
-              <a:spcBef>
-                <a:spcPts val="0"/>
-              </a:spcBef>
-              <a:spcAft>
-                <a:spcPts val="0"/>
-              </a:spcAft>
-              <a:buClr>
-                <a:srgbClr val="000000"/>
-              </a:buClr>
-              <a:buSzPts val="1600"/>
-              <a:buFont typeface="Calibri"/>
-              <a:buChar char="●"/>
-            </a:pPr>
-            <a:r>
-              <a:rPr lang="en" sz="1600" b="0" i="0" u="none" strike="noStrike" cap="none">
-                <a:solidFill>
-                  <a:srgbClr val="000000"/>
-                </a:solidFill>
-                <a:latin typeface="Calibri"/>
-                <a:ea typeface="Calibri"/>
-                <a:cs typeface="Calibri"/>
-                <a:sym typeface="Calibri"/>
-              </a:rPr>
-              <a:t>Cloud architecture, fin-tech, application security</a:t>
-            </a:r>
-            <a:endParaRPr sz="1600" b="0" i="0" u="none" strike="noStrike" cap="none">
-              <a:solidFill>
-                <a:srgbClr val="000000"/>
-              </a:solidFill>
-              <a:latin typeface="Calibri"/>
-              <a:ea typeface="Calibri"/>
-              <a:cs typeface="Calibri"/>
-              <a:sym typeface="Calibri"/>
-            </a:endParaRPr>
-          </a:p>
-          <a:p>
-            <a:pPr marL="0" marR="0" lvl="0" indent="0" algn="l" rtl="0">
-              <a:lnSpc>
-                <a:spcPct val="100000"/>
-              </a:lnSpc>
-              <a:spcBef>
-                <a:spcPts val="0"/>
-              </a:spcBef>
-              <a:spcAft>
-                <a:spcPts val="0"/>
-              </a:spcAft>
-              <a:buClr>
-                <a:srgbClr val="000000"/>
-              </a:buClr>
-              <a:buSzPts val="1600"/>
-              <a:buFont typeface="Arial"/>
-              <a:buNone/>
-            </a:pPr>
-            <a:endParaRPr sz="1600" b="0" i="0" u="none" strike="noStrike" cap="none">
-              <a:solidFill>
-                <a:srgbClr val="000000"/>
-              </a:solidFill>
-              <a:latin typeface="Calibri"/>
-              <a:ea typeface="Calibri"/>
-              <a:cs typeface="Calibri"/>
-              <a:sym typeface="Calibri"/>
-            </a:endParaRPr>
-          </a:p>
-          <a:p>
-            <a:pPr marL="0" marR="0" lvl="0" indent="0" algn="l" rtl="0">
-              <a:lnSpc>
-                <a:spcPct val="100000"/>
-              </a:lnSpc>
-              <a:spcBef>
-                <a:spcPts val="0"/>
-              </a:spcBef>
-              <a:spcAft>
-                <a:spcPts val="0"/>
-              </a:spcAft>
-              <a:buClr>
-                <a:srgbClr val="000000"/>
-              </a:buClr>
-              <a:buSzPts val="1600"/>
-              <a:buFont typeface="Arial"/>
-              <a:buNone/>
-            </a:pPr>
-            <a:r>
-              <a:rPr lang="en" sz="1600" b="0" i="0" u="none" strike="noStrike" cap="none">
-                <a:solidFill>
-                  <a:srgbClr val="000000"/>
-                </a:solidFill>
-                <a:latin typeface="Calibri"/>
-                <a:ea typeface="Calibri"/>
-                <a:cs typeface="Calibri"/>
-                <a:sym typeface="Calibri"/>
-              </a:rPr>
-              <a:t>Find/connect: Linkedin, GitHub, YouTube, Google</a:t>
-            </a:r>
-            <a:endParaRPr sz="1600" b="0" i="0" u="none" strike="noStrike" cap="none">
-              <a:solidFill>
-                <a:srgbClr val="000000"/>
-              </a:solidFill>
-              <a:latin typeface="Calibri"/>
-              <a:ea typeface="Calibri"/>
-              <a:cs typeface="Calibri"/>
-              <a:sym typeface="Calibri"/>
-            </a:endParaRPr>
-          </a:p>
-        </p:txBody>
-      </p:sp>
-      <p:pic>
-        <p:nvPicPr>
-          <p:cNvPr id="250" name="Google Shape;250;p33"/>
-          <p:cNvPicPr preferRelativeResize="0"/>
-          <p:nvPr/>
-        </p:nvPicPr>
-        <p:blipFill rotWithShape="1">
-          <a:blip r:embed="rId4" cstate="email">
-            <a:alphaModFix/>
-            <a:extLst>
-              <a:ext uri="{28A0092B-C50C-407E-A947-70E740481C1C}">
-                <a14:useLocalDpi xmlns:a14="http://schemas.microsoft.com/office/drawing/2010/main"/>
-              </a:ext>
-            </a:extLst>
-          </a:blip>
-          <a:srcRect/>
-          <a:stretch/>
-        </p:blipFill>
-        <p:spPr>
-          <a:xfrm>
-            <a:off x="1010941" y="3664175"/>
-            <a:ext cx="1144600" cy="415875"/>
-          </a:xfrm>
-          <a:prstGeom prst="rect">
-            <a:avLst/>
-          </a:prstGeom>
-          <a:noFill/>
-          <a:ln>
-            <a:noFill/>
-          </a:ln>
-        </p:spPr>
-      </p:pic>
-      <p:sp>
-        <p:nvSpPr>
-          <p:cNvPr id="251" name="Google Shape;251;p33"/>
-          <p:cNvSpPr txBox="1"/>
-          <p:nvPr/>
-        </p:nvSpPr>
-        <p:spPr>
-          <a:xfrm>
-            <a:off x="912377" y="4005903"/>
-            <a:ext cx="1391400" cy="431100"/>
-          </a:xfrm>
-          <a:prstGeom prst="rect">
-            <a:avLst/>
-          </a:prstGeom>
-          <a:noFill/>
-          <a:ln>
-            <a:noFill/>
-          </a:ln>
-        </p:spPr>
-        <p:txBody>
-          <a:bodyPr spcFirstLastPara="1" wrap="square" lIns="91425" tIns="91425" rIns="91425" bIns="91425" anchor="t" anchorCtr="0">
-            <a:spAutoFit/>
-          </a:bodyPr>
-          <a:lstStyle/>
-          <a:p>
-            <a:pPr marL="0" marR="0" lvl="0" indent="0" algn="l" rtl="0">
-              <a:lnSpc>
-                <a:spcPct val="100000"/>
-              </a:lnSpc>
-              <a:spcBef>
-                <a:spcPts val="0"/>
-              </a:spcBef>
-              <a:spcAft>
-                <a:spcPts val="0"/>
-              </a:spcAft>
-              <a:buClr>
-                <a:srgbClr val="000000"/>
-              </a:buClr>
-              <a:buSzPts val="1600"/>
-              <a:buFont typeface="Arial"/>
-              <a:buNone/>
-            </a:pPr>
-            <a:r>
-              <a:rPr lang="en" sz="1600" b="0" i="0" u="sng" strike="noStrike" cap="none">
-                <a:solidFill>
-                  <a:schemeClr val="hlink"/>
-                </a:solidFill>
-                <a:latin typeface="Calibri"/>
-                <a:ea typeface="Calibri"/>
-                <a:cs typeface="Calibri"/>
-                <a:sym typeface="Calibri"/>
-                <a:hlinkClick r:id="rId5"/>
-              </a:rPr>
-              <a:t>https://eais.ai</a:t>
-            </a:r>
-            <a:r>
-              <a:rPr lang="en" sz="1600" b="0" i="0" u="none" strike="noStrike" cap="none">
-                <a:solidFill>
-                  <a:srgbClr val="000000"/>
-                </a:solidFill>
-                <a:latin typeface="Calibri"/>
-                <a:ea typeface="Calibri"/>
-                <a:cs typeface="Calibri"/>
-                <a:sym typeface="Calibri"/>
-              </a:rPr>
-              <a:t> </a:t>
-            </a:r>
-            <a:endParaRPr sz="1600" b="0" i="0" u="none" strike="noStrike" cap="none">
-              <a:solidFill>
-                <a:srgbClr val="000000"/>
-              </a:solidFill>
-              <a:latin typeface="Calibri"/>
-              <a:ea typeface="Calibri"/>
-              <a:cs typeface="Calibri"/>
-              <a:sym typeface="Calibri"/>
-            </a:endParaRPr>
-          </a:p>
-        </p:txBody>
-      </p:sp>
-      <p:sp>
-        <p:nvSpPr>
-          <p:cNvPr id="252" name="Google Shape;252;p33"/>
-          <p:cNvSpPr txBox="1"/>
-          <p:nvPr/>
-        </p:nvSpPr>
-        <p:spPr>
-          <a:xfrm>
-            <a:off x="536203" y="4360974"/>
-            <a:ext cx="2094075" cy="430857"/>
-          </a:xfrm>
-          <a:prstGeom prst="rect">
-            <a:avLst/>
-          </a:prstGeom>
-          <a:noFill/>
-          <a:ln>
-            <a:noFill/>
-          </a:ln>
-        </p:spPr>
-        <p:txBody>
-          <a:bodyPr spcFirstLastPara="1" wrap="square" lIns="91425" tIns="91425" rIns="91425" bIns="91425" anchor="t" anchorCtr="0">
-            <a:spAutoFit/>
-          </a:bodyPr>
-          <a:lstStyle/>
-          <a:p>
-            <a:pPr marL="0" marR="0" lvl="0" indent="0" algn="ctr" rtl="0">
-              <a:lnSpc>
-                <a:spcPct val="100000"/>
-              </a:lnSpc>
-              <a:spcBef>
-                <a:spcPts val="0"/>
-              </a:spcBef>
-              <a:spcAft>
-                <a:spcPts val="0"/>
-              </a:spcAft>
-              <a:buClr>
-                <a:schemeClr val="dk1"/>
-              </a:buClr>
-              <a:buSzPts val="1100"/>
-              <a:buFont typeface="Arial"/>
-              <a:buNone/>
-            </a:pPr>
-            <a:r>
-              <a:rPr lang="en" sz="1600" b="0" i="0" u="none" strike="noStrike" cap="none">
-                <a:solidFill>
-                  <a:srgbClr val="000000"/>
-                </a:solidFill>
-                <a:latin typeface="Calibri"/>
-                <a:ea typeface="Calibri"/>
-                <a:cs typeface="Calibri"/>
-                <a:sym typeface="Calibri"/>
-              </a:rPr>
-              <a:t>Enterprise AI Systems</a:t>
-            </a:r>
-            <a:endParaRPr sz="1600" b="0" i="0" u="none" strike="noStrike" cap="none">
-              <a:solidFill>
-                <a:srgbClr val="000000"/>
-              </a:solidFill>
-              <a:latin typeface="Calibri"/>
-              <a:ea typeface="Calibri"/>
-              <a:cs typeface="Calibri"/>
-              <a:sym typeface="Calibri"/>
-            </a:endParaRPr>
-          </a:p>
-        </p:txBody>
-      </p:sp>
-    </p:spTree>
-  </p:cSld>
-  <p:clrMapOvr>
-    <a:masterClrMapping/>
-  </p:clrMapOvr>
-</p:sld>
-</file>
-
-<file path=ppt/slides/slide21.xml><?xml version="1.0" encoding="utf-8"?>
-<p:sld xmlns:a="http://schemas.openxmlformats.org/drawingml/2006/main" xmlns:r="http://schemas.openxmlformats.org/officeDocument/2006/relationships" xmlns:p="http://schemas.openxmlformats.org/presentationml/2006/main">
-  <p:cSld>
-    <p:spTree>
-      <p:nvGrpSpPr>
         <p:cNvPr id="1" name="Shape 256"/>
         <p:cNvGrpSpPr/>
         <p:nvPr/>
@@ -22978,7 +22636,7 @@
       </p:grpSpPr>
       <p:sp>
         <p:nvSpPr>
-          <p:cNvPr id="257" name="Google Shape;257;p34"/>
+          <p:cNvPr id="257" name="Google Shape;257;p33"/>
           <p:cNvSpPr txBox="1"/>
           <p:nvPr/>
         </p:nvSpPr>
@@ -23116,7 +22774,7 @@
                 <a:cs typeface="Calibri"/>
                 <a:sym typeface="Calibri"/>
               </a:rPr>
-              <a:t>Run Nemotron Locally</a:t>
+              <a:t>Run 70b Nemotron Locally</a:t>
             </a:r>
             <a:endParaRPr sz="2000" b="1">
               <a:solidFill>
@@ -23139,7 +22797,7 @@
         <p:spPr>
           <a:xfrm>
             <a:off x="91751" y="459600"/>
-            <a:ext cx="4412700" cy="1619100"/>
+            <a:ext cx="4412700" cy="2019300"/>
           </a:xfrm>
           <a:prstGeom prst="rect">
             <a:avLst/>
@@ -23216,6 +22874,58 @@
                 <a:hlinkClick r:id="rId3"/>
               </a:rPr>
               <a:t>https://ollama.com/library/nemotron</a:t>
+            </a:r>
+            <a:endParaRPr sz="1300">
+              <a:solidFill>
+                <a:schemeClr val="dk1"/>
+              </a:solidFill>
+              <a:latin typeface="Calibri"/>
+              <a:ea typeface="Calibri"/>
+              <a:cs typeface="Calibri"/>
+              <a:sym typeface="Calibri"/>
+            </a:endParaRPr>
+          </a:p>
+          <a:p>
+            <a:pPr marL="0" lvl="0" indent="0" algn="l" rtl="0">
+              <a:spcBef>
+                <a:spcPts val="0"/>
+              </a:spcBef>
+              <a:spcAft>
+                <a:spcPts val="0"/>
+              </a:spcAft>
+              <a:buNone/>
+            </a:pPr>
+            <a:endParaRPr sz="1300">
+              <a:solidFill>
+                <a:schemeClr val="dk1"/>
+              </a:solidFill>
+              <a:latin typeface="Calibri"/>
+              <a:ea typeface="Calibri"/>
+              <a:cs typeface="Calibri"/>
+              <a:sym typeface="Calibri"/>
+            </a:endParaRPr>
+          </a:p>
+          <a:p>
+            <a:pPr marL="0" lvl="0" indent="0" algn="l" rtl="0">
+              <a:spcBef>
+                <a:spcPts val="0"/>
+              </a:spcBef>
+              <a:spcAft>
+                <a:spcPts val="0"/>
+              </a:spcAft>
+              <a:buNone/>
+            </a:pPr>
+            <a:r>
+              <a:rPr lang="en" sz="1300">
+                <a:solidFill>
+                  <a:schemeClr val="dk1"/>
+                </a:solidFill>
+                <a:latin typeface="Calibri"/>
+                <a:ea typeface="Calibri"/>
+                <a:cs typeface="Calibri"/>
+                <a:sym typeface="Calibri"/>
+              </a:rPr>
+              <a:t>Llama-3.1-Nemotron-70B-Instruct</a:t>
             </a:r>
             <a:endParaRPr sz="1300">
               <a:solidFill>
@@ -24426,7 +24136,7 @@
         <p:spPr>
           <a:xfrm>
             <a:off x="91750" y="397975"/>
-            <a:ext cx="4584000" cy="3420300"/>
+            <a:ext cx="4419600" cy="3420300"/>
           </a:xfrm>
           <a:prstGeom prst="rect">
             <a:avLst/>
@@ -24903,7 +24613,7 @@
         </p:blipFill>
         <p:spPr>
           <a:xfrm>
-            <a:off x="4979975" y="833626"/>
+            <a:off x="599050" y="3965526"/>
             <a:ext cx="1618726" cy="908275"/>
           </a:xfrm>
           <a:prstGeom prst="rect">
@@ -24912,6 +24622,680 @@
           <a:noFill/>
           <a:ln>
             <a:noFill/>
+          </a:ln>
+        </p:spPr>
+      </p:pic>
+      <p:sp>
+        <p:nvSpPr>
+          <p:cNvPr id="97" name="Google Shape;97;p19"/>
+          <p:cNvSpPr txBox="1"/>
+          <p:nvPr/>
+        </p:nvSpPr>
+        <p:spPr>
+          <a:xfrm>
+            <a:off x="4604625" y="81075"/>
+            <a:ext cx="4479900" cy="3820500"/>
+          </a:xfrm>
+          <a:prstGeom prst="rect">
+            <a:avLst/>
+          </a:prstGeom>
+          <a:solidFill>
+            <a:srgbClr val="FFF2CC"/>
+          </a:solidFill>
+          <a:ln w="9525" cap="flat" cmpd="sng">
+            <a:solidFill>
+              <a:srgbClr val="FF0000"/>
+            </a:solidFill>
+            <a:prstDash val="solid"/>
+            <a:round/>
+            <a:headEnd type="none" w="sm" len="sm"/>
+            <a:tailEnd type="none" w="sm" len="sm"/>
+          </a:ln>
+        </p:spPr>
+        <p:txBody>
+          <a:bodyPr spcFirstLastPara="1" wrap="square" lIns="9125" tIns="9125" rIns="9125" bIns="9125" anchor="t" anchorCtr="0">
+            <a:spAutoFit/>
+          </a:bodyPr>
+          <a:lstStyle/>
+          <a:p>
+            <a:pPr marL="0" lvl="0" indent="0" algn="l" rtl="0">
+              <a:spcBef>
+                <a:spcPts val="0"/>
+              </a:spcBef>
+              <a:spcAft>
+                <a:spcPts val="0"/>
+              </a:spcAft>
+              <a:buNone/>
+            </a:pPr>
+            <a:r>
+              <a:rPr lang="en" sz="1300" b="1">
+                <a:solidFill>
+                  <a:srgbClr val="FF0000"/>
+                </a:solidFill>
+                <a:latin typeface="Calibri"/>
+                <a:ea typeface="Calibri"/>
+                <a:cs typeface="Calibri"/>
+                <a:sym typeface="Calibri"/>
+              </a:rPr>
+              <a:t>Reasoning Patterns Of Openai’S o1 Model</a:t>
+            </a:r>
+            <a:endParaRPr sz="1300" b="1">
+              <a:solidFill>
+                <a:srgbClr val="FF0000"/>
+              </a:solidFill>
+              <a:latin typeface="Calibri"/>
+              <a:ea typeface="Calibri"/>
+              <a:cs typeface="Calibri"/>
+              <a:sym typeface="Calibri"/>
+            </a:endParaRPr>
+          </a:p>
+          <a:p>
+            <a:pPr marL="228600" lvl="0" indent="-139700" algn="l" rtl="0">
+              <a:spcBef>
+                <a:spcPts val="0"/>
+              </a:spcBef>
+              <a:spcAft>
+                <a:spcPts val="0"/>
+              </a:spcAft>
+              <a:buClr>
+                <a:schemeClr val="dk1"/>
+              </a:buClr>
+              <a:buSzPts val="1300"/>
+              <a:buFont typeface="Calibri"/>
+              <a:buChar char="●"/>
+            </a:pPr>
+            <a:r>
+              <a:rPr lang="en" sz="1300" u="sng">
+                <a:solidFill>
+                  <a:schemeClr val="hlink"/>
+                </a:solidFill>
+                <a:latin typeface="Calibri"/>
+                <a:ea typeface="Calibri"/>
+                <a:cs typeface="Calibri"/>
+                <a:sym typeface="Calibri"/>
+                <a:hlinkClick r:id="rId6"/>
+              </a:rPr>
+              <a:t>https://www.youtube.com/watch?v=uvDA4808wjI</a:t>
+            </a:r>
+            <a:endParaRPr sz="1300">
+              <a:solidFill>
+                <a:schemeClr val="dk1"/>
+              </a:solidFill>
+              <a:latin typeface="Calibri"/>
+              <a:ea typeface="Calibri"/>
+              <a:cs typeface="Calibri"/>
+              <a:sym typeface="Calibri"/>
+            </a:endParaRPr>
+          </a:p>
+          <a:p>
+            <a:pPr marL="228600" lvl="0" indent="-139700" algn="l" rtl="0">
+              <a:spcBef>
+                <a:spcPts val="0"/>
+              </a:spcBef>
+              <a:spcAft>
+                <a:spcPts val="0"/>
+              </a:spcAft>
+              <a:buClr>
+                <a:schemeClr val="dk1"/>
+              </a:buClr>
+              <a:buSzPts val="1300"/>
+              <a:buFont typeface="Calibri"/>
+              <a:buChar char="●"/>
+            </a:pPr>
+            <a:r>
+              <a:rPr lang="en" sz="1300" u="sng">
+                <a:solidFill>
+                  <a:schemeClr val="hlink"/>
+                </a:solidFill>
+                <a:latin typeface="Calibri"/>
+                <a:ea typeface="Calibri"/>
+                <a:cs typeface="Calibri"/>
+                <a:sym typeface="Calibri"/>
+                <a:hlinkClick r:id="rId7"/>
+              </a:rPr>
+              <a:t>https://arxiv.org/pdf/2410.13639</a:t>
+            </a:r>
+            <a:r>
+              <a:rPr lang="en" sz="1300">
+                <a:solidFill>
+                  <a:schemeClr val="dk1"/>
+                </a:solidFill>
+                <a:latin typeface="Calibri"/>
+                <a:ea typeface="Calibri"/>
+                <a:cs typeface="Calibri"/>
+                <a:sym typeface="Calibri"/>
+              </a:rPr>
+              <a:t> </a:t>
+            </a:r>
+            <a:endParaRPr sz="1300">
+              <a:solidFill>
+                <a:schemeClr val="dk1"/>
+              </a:solidFill>
+              <a:latin typeface="Calibri"/>
+              <a:ea typeface="Calibri"/>
+              <a:cs typeface="Calibri"/>
+              <a:sym typeface="Calibri"/>
+            </a:endParaRPr>
+          </a:p>
+          <a:p>
+            <a:pPr marL="228600" lvl="0" indent="-139700" algn="l" rtl="0">
+              <a:spcBef>
+                <a:spcPts val="0"/>
+              </a:spcBef>
+              <a:spcAft>
+                <a:spcPts val="0"/>
+              </a:spcAft>
+              <a:buClr>
+                <a:schemeClr val="dk1"/>
+              </a:buClr>
+              <a:buSzPts val="1300"/>
+              <a:buFont typeface="Calibri"/>
+              <a:buChar char="●"/>
+            </a:pPr>
+            <a:r>
+              <a:rPr lang="en" sz="1300">
+                <a:solidFill>
+                  <a:schemeClr val="dk1"/>
+                </a:solidFill>
+                <a:latin typeface="Calibri"/>
+                <a:ea typeface="Calibri"/>
+                <a:cs typeface="Calibri"/>
+                <a:sym typeface="Calibri"/>
+              </a:rPr>
+              <a:t>Researchers have identified six reasoning patterns used by OpenAI's O1 model: </a:t>
+            </a:r>
+            <a:endParaRPr sz="1300">
+              <a:solidFill>
+                <a:schemeClr val="dk1"/>
+              </a:solidFill>
+              <a:latin typeface="Calibri"/>
+              <a:ea typeface="Calibri"/>
+              <a:cs typeface="Calibri"/>
+              <a:sym typeface="Calibri"/>
+            </a:endParaRPr>
+          </a:p>
+          <a:p>
+            <a:pPr marL="914400" lvl="1" indent="-311150" algn="l" rtl="0">
+              <a:spcBef>
+                <a:spcPts val="0"/>
+              </a:spcBef>
+              <a:spcAft>
+                <a:spcPts val="0"/>
+              </a:spcAft>
+              <a:buClr>
+                <a:srgbClr val="3C78D8"/>
+              </a:buClr>
+              <a:buSzPts val="1300"/>
+              <a:buFont typeface="Calibri"/>
+              <a:buChar char="○"/>
+            </a:pPr>
+            <a:r>
+              <a:rPr lang="en" sz="1300" b="1">
+                <a:solidFill>
+                  <a:srgbClr val="3C78D8"/>
+                </a:solidFill>
+                <a:latin typeface="Calibri"/>
+                <a:ea typeface="Calibri"/>
+                <a:cs typeface="Calibri"/>
+                <a:sym typeface="Calibri"/>
+              </a:rPr>
+              <a:t>systematic analysis</a:t>
+            </a:r>
+            <a:endParaRPr sz="1300" b="1">
+              <a:solidFill>
+                <a:srgbClr val="3C78D8"/>
+              </a:solidFill>
+              <a:latin typeface="Calibri"/>
+              <a:ea typeface="Calibri"/>
+              <a:cs typeface="Calibri"/>
+              <a:sym typeface="Calibri"/>
+            </a:endParaRPr>
+          </a:p>
+          <a:p>
+            <a:pPr marL="914400" lvl="1" indent="-311150" algn="l" rtl="0">
+              <a:spcBef>
+                <a:spcPts val="0"/>
+              </a:spcBef>
+              <a:spcAft>
+                <a:spcPts val="0"/>
+              </a:spcAft>
+              <a:buClr>
+                <a:srgbClr val="3C78D8"/>
+              </a:buClr>
+              <a:buSzPts val="1300"/>
+              <a:buFont typeface="Calibri"/>
+              <a:buChar char="○"/>
+            </a:pPr>
+            <a:r>
+              <a:rPr lang="en" sz="1300" b="1">
+                <a:solidFill>
+                  <a:srgbClr val="3C78D8"/>
+                </a:solidFill>
+                <a:latin typeface="Calibri"/>
+                <a:ea typeface="Calibri"/>
+                <a:cs typeface="Calibri"/>
+                <a:sym typeface="Calibri"/>
+              </a:rPr>
+              <a:t>method reuse</a:t>
+            </a:r>
+            <a:endParaRPr sz="1300" b="1">
+              <a:solidFill>
+                <a:srgbClr val="3C78D8"/>
+              </a:solidFill>
+              <a:latin typeface="Calibri"/>
+              <a:ea typeface="Calibri"/>
+              <a:cs typeface="Calibri"/>
+              <a:sym typeface="Calibri"/>
+            </a:endParaRPr>
+          </a:p>
+          <a:p>
+            <a:pPr marL="914400" lvl="1" indent="-311150" algn="l" rtl="0">
+              <a:spcBef>
+                <a:spcPts val="0"/>
+              </a:spcBef>
+              <a:spcAft>
+                <a:spcPts val="0"/>
+              </a:spcAft>
+              <a:buClr>
+                <a:srgbClr val="3C78D8"/>
+              </a:buClr>
+              <a:buSzPts val="1300"/>
+              <a:buFont typeface="Calibri"/>
+              <a:buChar char="○"/>
+            </a:pPr>
+            <a:r>
+              <a:rPr lang="en" sz="1300" b="1">
+                <a:solidFill>
+                  <a:srgbClr val="3C78D8"/>
+                </a:solidFill>
+                <a:latin typeface="Calibri"/>
+                <a:ea typeface="Calibri"/>
+                <a:cs typeface="Calibri"/>
+                <a:sym typeface="Calibri"/>
+              </a:rPr>
+              <a:t>divide and conquer</a:t>
+            </a:r>
+            <a:endParaRPr sz="1300" b="1">
+              <a:solidFill>
+                <a:srgbClr val="3C78D8"/>
+              </a:solidFill>
+              <a:latin typeface="Calibri"/>
+              <a:ea typeface="Calibri"/>
+              <a:cs typeface="Calibri"/>
+              <a:sym typeface="Calibri"/>
+            </a:endParaRPr>
+          </a:p>
+          <a:p>
+            <a:pPr marL="914400" lvl="1" indent="-311150" algn="l" rtl="0">
+              <a:spcBef>
+                <a:spcPts val="0"/>
+              </a:spcBef>
+              <a:spcAft>
+                <a:spcPts val="0"/>
+              </a:spcAft>
+              <a:buClr>
+                <a:srgbClr val="3C78D8"/>
+              </a:buClr>
+              <a:buSzPts val="1300"/>
+              <a:buFont typeface="Calibri"/>
+              <a:buChar char="○"/>
+            </a:pPr>
+            <a:r>
+              <a:rPr lang="en" sz="1300" b="1">
+                <a:solidFill>
+                  <a:srgbClr val="3C78D8"/>
+                </a:solidFill>
+                <a:latin typeface="Calibri"/>
+                <a:ea typeface="Calibri"/>
+                <a:cs typeface="Calibri"/>
+                <a:sym typeface="Calibri"/>
+              </a:rPr>
+              <a:t>self-refinement</a:t>
+            </a:r>
+            <a:endParaRPr sz="1300" b="1">
+              <a:solidFill>
+                <a:srgbClr val="3C78D8"/>
+              </a:solidFill>
+              <a:latin typeface="Calibri"/>
+              <a:ea typeface="Calibri"/>
+              <a:cs typeface="Calibri"/>
+              <a:sym typeface="Calibri"/>
+            </a:endParaRPr>
+          </a:p>
+          <a:p>
+            <a:pPr marL="914400" lvl="1" indent="-311150" algn="l" rtl="0">
+              <a:spcBef>
+                <a:spcPts val="0"/>
+              </a:spcBef>
+              <a:spcAft>
+                <a:spcPts val="0"/>
+              </a:spcAft>
+              <a:buClr>
+                <a:srgbClr val="3C78D8"/>
+              </a:buClr>
+              <a:buSzPts val="1300"/>
+              <a:buFont typeface="Calibri"/>
+              <a:buChar char="○"/>
+            </a:pPr>
+            <a:r>
+              <a:rPr lang="en" sz="1300" b="1">
+                <a:solidFill>
+                  <a:srgbClr val="3C78D8"/>
+                </a:solidFill>
+                <a:latin typeface="Calibri"/>
+                <a:ea typeface="Calibri"/>
+                <a:cs typeface="Calibri"/>
+                <a:sym typeface="Calibri"/>
+              </a:rPr>
+              <a:t>context identification</a:t>
+            </a:r>
+            <a:endParaRPr sz="1300" b="1">
+              <a:solidFill>
+                <a:srgbClr val="3C78D8"/>
+              </a:solidFill>
+              <a:latin typeface="Calibri"/>
+              <a:ea typeface="Calibri"/>
+              <a:cs typeface="Calibri"/>
+              <a:sym typeface="Calibri"/>
+            </a:endParaRPr>
+          </a:p>
+          <a:p>
+            <a:pPr marL="914400" lvl="1" indent="-311150" algn="l" rtl="0">
+              <a:spcBef>
+                <a:spcPts val="0"/>
+              </a:spcBef>
+              <a:spcAft>
+                <a:spcPts val="0"/>
+              </a:spcAft>
+              <a:buClr>
+                <a:srgbClr val="3C78D8"/>
+              </a:buClr>
+              <a:buSzPts val="1300"/>
+              <a:buFont typeface="Calibri"/>
+              <a:buChar char="○"/>
+            </a:pPr>
+            <a:r>
+              <a:rPr lang="en" sz="1300" b="1">
+                <a:solidFill>
+                  <a:srgbClr val="3C78D8"/>
+                </a:solidFill>
+                <a:latin typeface="Calibri"/>
+                <a:ea typeface="Calibri"/>
+                <a:cs typeface="Calibri"/>
+                <a:sym typeface="Calibri"/>
+              </a:rPr>
+              <a:t>emphasizing constraints</a:t>
+            </a:r>
+            <a:endParaRPr sz="1300" b="1">
+              <a:solidFill>
+                <a:srgbClr val="3C78D8"/>
+              </a:solidFill>
+              <a:latin typeface="Calibri"/>
+              <a:ea typeface="Calibri"/>
+              <a:cs typeface="Calibri"/>
+              <a:sym typeface="Calibri"/>
+            </a:endParaRPr>
+          </a:p>
+          <a:p>
+            <a:pPr marL="228600" lvl="0" indent="-139700" algn="l" rtl="0">
+              <a:spcBef>
+                <a:spcPts val="0"/>
+              </a:spcBef>
+              <a:spcAft>
+                <a:spcPts val="0"/>
+              </a:spcAft>
+              <a:buClr>
+                <a:schemeClr val="dk1"/>
+              </a:buClr>
+              <a:buSzPts val="1300"/>
+              <a:buFont typeface="Calibri"/>
+              <a:buChar char="●"/>
+            </a:pPr>
+            <a:r>
+              <a:rPr lang="en" sz="1300">
+                <a:solidFill>
+                  <a:schemeClr val="dk1"/>
+                </a:solidFill>
+                <a:latin typeface="Calibri"/>
+                <a:ea typeface="Calibri"/>
+                <a:cs typeface="Calibri"/>
+                <a:sym typeface="Calibri"/>
+              </a:rPr>
+              <a:t>o1 primarily relies on divide and conquer and self-refinement</a:t>
+            </a:r>
+            <a:endParaRPr sz="1300">
+              <a:solidFill>
+                <a:schemeClr val="dk1"/>
+              </a:solidFill>
+              <a:latin typeface="Calibri"/>
+              <a:ea typeface="Calibri"/>
+              <a:cs typeface="Calibri"/>
+              <a:sym typeface="Calibri"/>
+            </a:endParaRPr>
+          </a:p>
+          <a:p>
+            <a:pPr marL="228600" lvl="0" indent="-139700" algn="l" rtl="0">
+              <a:spcBef>
+                <a:spcPts val="0"/>
+              </a:spcBef>
+              <a:spcAft>
+                <a:spcPts val="0"/>
+              </a:spcAft>
+              <a:buClr>
+                <a:schemeClr val="dk1"/>
+              </a:buClr>
+              <a:buSzPts val="1300"/>
+              <a:buFont typeface="Calibri"/>
+              <a:buChar char="●"/>
+            </a:pPr>
+            <a:r>
+              <a:rPr lang="en" sz="1300">
+                <a:solidFill>
+                  <a:schemeClr val="dk1"/>
+                </a:solidFill>
+                <a:latin typeface="Calibri"/>
+                <a:ea typeface="Calibri"/>
+                <a:cs typeface="Calibri"/>
+                <a:sym typeface="Calibri"/>
+              </a:rPr>
+              <a:t>method reuse was mainly observed in math</a:t>
+            </a:r>
+            <a:endParaRPr sz="1300">
+              <a:solidFill>
+                <a:schemeClr val="dk1"/>
+              </a:solidFill>
+              <a:latin typeface="Calibri"/>
+              <a:ea typeface="Calibri"/>
+              <a:cs typeface="Calibri"/>
+              <a:sym typeface="Calibri"/>
+            </a:endParaRPr>
+          </a:p>
+          <a:p>
+            <a:pPr marL="228600" lvl="0" indent="-139700" algn="l" rtl="0">
+              <a:spcBef>
+                <a:spcPts val="0"/>
+              </a:spcBef>
+              <a:spcAft>
+                <a:spcPts val="0"/>
+              </a:spcAft>
+              <a:buClr>
+                <a:schemeClr val="dk1"/>
+              </a:buClr>
+              <a:buSzPts val="1300"/>
+              <a:buFont typeface="Calibri"/>
+              <a:buChar char="●"/>
+            </a:pPr>
+            <a:r>
+              <a:rPr lang="en" sz="1300">
+                <a:solidFill>
+                  <a:schemeClr val="dk1"/>
+                </a:solidFill>
+                <a:latin typeface="Calibri"/>
+                <a:ea typeface="Calibri"/>
+                <a:cs typeface="Calibri"/>
+                <a:sym typeface="Calibri"/>
+              </a:rPr>
+              <a:t>coding takes more tokens than common sense reasoning</a:t>
+            </a:r>
+            <a:endParaRPr sz="1300">
+              <a:solidFill>
+                <a:schemeClr val="dk1"/>
+              </a:solidFill>
+              <a:latin typeface="Calibri"/>
+              <a:ea typeface="Calibri"/>
+              <a:cs typeface="Calibri"/>
+              <a:sym typeface="Calibri"/>
+            </a:endParaRPr>
+          </a:p>
+          <a:p>
+            <a:pPr marL="228600" lvl="0" indent="-139700" algn="l" rtl="0">
+              <a:spcBef>
+                <a:spcPts val="0"/>
+              </a:spcBef>
+              <a:spcAft>
+                <a:spcPts val="0"/>
+              </a:spcAft>
+              <a:buClr>
+                <a:schemeClr val="dk1"/>
+              </a:buClr>
+              <a:buSzPts val="1300"/>
+              <a:buFont typeface="Calibri"/>
+              <a:buChar char="●"/>
+            </a:pPr>
+            <a:r>
+              <a:rPr lang="en" sz="1300">
+                <a:solidFill>
+                  <a:schemeClr val="dk1"/>
+                </a:solidFill>
+                <a:latin typeface="Calibri"/>
+                <a:ea typeface="Calibri"/>
+                <a:cs typeface="Calibri"/>
+                <a:sym typeface="Calibri"/>
+              </a:rPr>
+              <a:t>o1 mini often outperformed O1 preview</a:t>
+            </a:r>
+            <a:endParaRPr sz="1300">
+              <a:solidFill>
+                <a:schemeClr val="dk1"/>
+              </a:solidFill>
+              <a:latin typeface="Calibri"/>
+              <a:ea typeface="Calibri"/>
+              <a:cs typeface="Calibri"/>
+              <a:sym typeface="Calibri"/>
+            </a:endParaRPr>
+          </a:p>
+          <a:p>
+            <a:pPr marL="228600" lvl="0" indent="-139700" algn="l" rtl="0">
+              <a:spcBef>
+                <a:spcPts val="0"/>
+              </a:spcBef>
+              <a:spcAft>
+                <a:spcPts val="0"/>
+              </a:spcAft>
+              <a:buClr>
+                <a:schemeClr val="dk1"/>
+              </a:buClr>
+              <a:buSzPts val="1300"/>
+              <a:buFont typeface="Calibri"/>
+              <a:buChar char="●"/>
+            </a:pPr>
+            <a:r>
+              <a:rPr lang="en" sz="1300">
+                <a:solidFill>
+                  <a:schemeClr val="dk1"/>
+                </a:solidFill>
+                <a:latin typeface="Calibri"/>
+                <a:ea typeface="Calibri"/>
+                <a:cs typeface="Calibri"/>
+                <a:sym typeface="Calibri"/>
+              </a:rPr>
+              <a:t>GPT-4o was outperformed by Quen and Llama in some cases.</a:t>
+            </a:r>
+            <a:endParaRPr sz="1300">
+              <a:solidFill>
+                <a:schemeClr val="dk1"/>
+              </a:solidFill>
+              <a:latin typeface="Calibri"/>
+              <a:ea typeface="Calibri"/>
+              <a:cs typeface="Calibri"/>
+              <a:sym typeface="Calibri"/>
+            </a:endParaRPr>
+          </a:p>
+          <a:p>
+            <a:pPr marL="228600" lvl="0" indent="-139700" algn="l" rtl="0">
+              <a:spcBef>
+                <a:spcPts val="0"/>
+              </a:spcBef>
+              <a:spcAft>
+                <a:spcPts val="0"/>
+              </a:spcAft>
+              <a:buClr>
+                <a:schemeClr val="dk1"/>
+              </a:buClr>
+              <a:buSzPts val="1300"/>
+              <a:buFont typeface="Calibri"/>
+              <a:buChar char="●"/>
+            </a:pPr>
+            <a:r>
+              <a:rPr lang="en" sz="1300">
+                <a:solidFill>
+                  <a:schemeClr val="dk1"/>
+                </a:solidFill>
+                <a:latin typeface="Calibri"/>
+                <a:ea typeface="Calibri"/>
+                <a:cs typeface="Calibri"/>
+                <a:sym typeface="Calibri"/>
+              </a:rPr>
+              <a:t>The study concluded that O1's reasoning patterns, particularly divide and conquer and self-refinement, could be valuable for developing more advanced AI models.</a:t>
+            </a:r>
+            <a:endParaRPr sz="1300">
+              <a:solidFill>
+                <a:schemeClr val="dk1"/>
+              </a:solidFill>
+              <a:latin typeface="Calibri"/>
+              <a:ea typeface="Calibri"/>
+              <a:cs typeface="Calibri"/>
+              <a:sym typeface="Calibri"/>
+            </a:endParaRPr>
+          </a:p>
+        </p:txBody>
+      </p:sp>
+      <p:pic>
+        <p:nvPicPr>
+          <p:cNvPr id="98" name="Google Shape;98;p19"/>
+          <p:cNvPicPr preferRelativeResize="0"/>
+          <p:nvPr/>
+        </p:nvPicPr>
+        <p:blipFill>
+          <a:blip r:embed="rId8" cstate="email">
+            <a:alphaModFix/>
+            <a:extLst>
+              <a:ext uri="{28A0092B-C50C-407E-A947-70E740481C1C}">
+                <a14:useLocalDpi xmlns:a14="http://schemas.microsoft.com/office/drawing/2010/main"/>
+              </a:ext>
+            </a:extLst>
+          </a:blip>
+          <a:stretch>
+            <a:fillRect/>
+          </a:stretch>
+        </p:blipFill>
+        <p:spPr>
+          <a:xfrm>
+            <a:off x="5194750" y="3965525"/>
+            <a:ext cx="3299650" cy="1053575"/>
+          </a:xfrm>
+          <a:prstGeom prst="rect">
+            <a:avLst/>
+          </a:prstGeom>
+          <a:noFill/>
+          <a:ln w="9525" cap="flat" cmpd="sng">
+            <a:solidFill>
+              <a:srgbClr val="FF0000"/>
+            </a:solidFill>
+            <a:prstDash val="solid"/>
+            <a:round/>
+            <a:headEnd type="none" w="sm" len="sm"/>
+            <a:tailEnd type="none" w="sm" len="sm"/>
           </a:ln>
         </p:spPr>
       </p:pic>
@@ -24928,7 +25312,7 @@
   <p:cSld>
     <p:spTree>
       <p:nvGrpSpPr>
-        <p:cNvPr id="1" name="Shape 100"/>
+        <p:cNvPr id="1" name="Shape 102"/>
         <p:cNvGrpSpPr/>
         <p:nvPr/>
       </p:nvGrpSpPr>
@@ -24942,7 +25326,7 @@
       </p:grpSpPr>
       <p:sp>
         <p:nvSpPr>
-          <p:cNvPr id="101" name="Google Shape;101;p20"/>
+          <p:cNvPr id="103" name="Google Shape;103;p20"/>
           <p:cNvSpPr txBox="1"/>
           <p:nvPr/>
         </p:nvSpPr>
@@ -25564,7 +25948,7 @@
       </p:sp>
       <p:sp>
         <p:nvSpPr>
-          <p:cNvPr id="102" name="Google Shape;102;p20"/>
+          <p:cNvPr id="104" name="Google Shape;104;p20"/>
           <p:cNvSpPr txBox="1"/>
           <p:nvPr/>
         </p:nvSpPr>
@@ -25627,7 +26011,7 @@
       </p:sp>
       <p:pic>
         <p:nvPicPr>
-          <p:cNvPr id="103" name="Google Shape;103;p20"/>
+          <p:cNvPr id="105" name="Google Shape;105;p20"/>
           <p:cNvPicPr preferRelativeResize="0"/>
           <p:nvPr/>
         </p:nvPicPr>
@@ -25655,7 +26039,7 @@
       </p:pic>
       <p:sp>
         <p:nvSpPr>
-          <p:cNvPr id="104" name="Google Shape;104;p20"/>
+          <p:cNvPr id="106" name="Google Shape;106;p20"/>
           <p:cNvSpPr txBox="1"/>
           <p:nvPr/>
         </p:nvSpPr>
@@ -25836,7 +26220,7 @@
   <p:cSld>
     <p:spTree>
       <p:nvGrpSpPr>
-        <p:cNvPr id="1" name="Shape 108"/>
+        <p:cNvPr id="1" name="Shape 110"/>
         <p:cNvGrpSpPr/>
         <p:nvPr/>
       </p:nvGrpSpPr>
@@ -25850,7 +26234,7 @@
       </p:grpSpPr>
       <p:sp>
         <p:nvSpPr>
-          <p:cNvPr id="109" name="Google Shape;109;p21"/>
+          <p:cNvPr id="111" name="Google Shape;111;p21"/>
           <p:cNvSpPr txBox="1"/>
           <p:nvPr/>
         </p:nvSpPr>
@@ -25913,7 +26297,7 @@
       </p:sp>
       <p:sp>
         <p:nvSpPr>
-          <p:cNvPr id="110" name="Google Shape;110;p21"/>
+          <p:cNvPr id="112" name="Google Shape;112;p21"/>
           <p:cNvSpPr txBox="1"/>
           <p:nvPr/>
         </p:nvSpPr>
@@ -26394,7 +26778,7 @@
       </p:sp>
       <p:pic>
         <p:nvPicPr>
-          <p:cNvPr id="111" name="Google Shape;111;p21"/>
+          <p:cNvPr id="113" name="Google Shape;113;p21"/>
           <p:cNvPicPr preferRelativeResize="0"/>
           <p:nvPr/>
         </p:nvPicPr>
@@ -26427,7 +26811,7 @@
       </p:pic>
       <p:pic>
         <p:nvPicPr>
-          <p:cNvPr id="112" name="Google Shape;112;p21"/>
+          <p:cNvPr id="114" name="Google Shape;114;p21"/>
           <p:cNvPicPr preferRelativeResize="0"/>
           <p:nvPr/>
         </p:nvPicPr>
@@ -26460,7 +26844,7 @@
       </p:pic>
       <p:pic>
         <p:nvPicPr>
-          <p:cNvPr id="113" name="Google Shape;113;p21"/>
+          <p:cNvPr id="115" name="Google Shape;115;p21"/>
           <p:cNvPicPr preferRelativeResize="0"/>
           <p:nvPr/>
         </p:nvPicPr>
@@ -26504,7 +26888,7 @@
   <p:cSld>
     <p:spTree>
       <p:nvGrpSpPr>
-        <p:cNvPr id="1" name="Shape 117"/>
+        <p:cNvPr id="1" name="Shape 119"/>
         <p:cNvGrpSpPr/>
         <p:nvPr/>
       </p:nvGrpSpPr>
@@ -26518,7 +26902,7 @@
       </p:grpSpPr>
       <p:sp>
         <p:nvSpPr>
-          <p:cNvPr id="118" name="Google Shape;118;p22"/>
+          <p:cNvPr id="120" name="Google Shape;120;p22"/>
           <p:cNvSpPr txBox="1"/>
           <p:nvPr/>
         </p:nvSpPr>
@@ -26581,7 +26965,7 @@
       </p:sp>
       <p:sp>
         <p:nvSpPr>
-          <p:cNvPr id="119" name="Google Shape;119;p22"/>
+          <p:cNvPr id="121" name="Google Shape;121;p22"/>
           <p:cNvSpPr txBox="1"/>
           <p:nvPr/>
         </p:nvSpPr>
@@ -26959,7 +27343,7 @@
       </p:sp>
       <p:pic>
         <p:nvPicPr>
-          <p:cNvPr id="120" name="Google Shape;120;p22"/>
+          <p:cNvPr id="122" name="Google Shape;122;p22"/>
           <p:cNvPicPr preferRelativeResize="0"/>
           <p:nvPr/>
         </p:nvPicPr>
@@ -26998,7 +27382,7 @@
       </p:pic>
       <p:pic>
         <p:nvPicPr>
-          <p:cNvPr id="121" name="Google Shape;121;p22"/>
+          <p:cNvPr id="123" name="Google Shape;123;p22"/>
           <p:cNvPicPr preferRelativeResize="0"/>
           <p:nvPr/>
         </p:nvPicPr>
